--- a/document/Slide báo cáo.pptx
+++ b/document/Slide báo cáo.pptx
@@ -5,7 +5,7 @@
     <p:sldMasterId id="2147483648" r:id="rId1"/>
   </p:sldMasterIdLst>
   <p:notesMasterIdLst>
-    <p:notesMasterId r:id="rId11"/>
+    <p:notesMasterId r:id="rId13"/>
   </p:notesMasterIdLst>
   <p:sldIdLst>
     <p:sldId id="256" r:id="rId2"/>
@@ -17,21 +17,23 @@
     <p:sldId id="264" r:id="rId8"/>
     <p:sldId id="262" r:id="rId9"/>
     <p:sldId id="257" r:id="rId10"/>
+    <p:sldId id="267" r:id="rId11"/>
+    <p:sldId id="268" r:id="rId12"/>
   </p:sldIdLst>
   <p:sldSz cx="12192000" cy="6858000"/>
   <p:notesSz cx="6858000" cy="9144000"/>
   <p:embeddedFontLst>
     <p:embeddedFont>
       <p:font typeface="Roboto" panose="02000000000000000000" pitchFamily="2" charset="0"/>
-      <p:regular r:id="rId12"/>
-      <p:bold r:id="rId13"/>
-      <p:italic r:id="rId14"/>
-      <p:boldItalic r:id="rId15"/>
+      <p:regular r:id="rId14"/>
+      <p:bold r:id="rId15"/>
+      <p:italic r:id="rId16"/>
+      <p:boldItalic r:id="rId17"/>
     </p:embeddedFont>
     <p:embeddedFont>
       <p:font typeface="Roboto Black" panose="02000000000000000000" pitchFamily="2" charset="0"/>
-      <p:bold r:id="rId16"/>
-      <p:boldItalic r:id="rId17"/>
+      <p:bold r:id="rId18"/>
+      <p:boldItalic r:id="rId19"/>
     </p:embeddedFont>
   </p:embeddedFontLst>
   <p:defaultTextStyle>
@@ -219,7 +221,7 @@
           <a:p>
             <a:fld id="{5340DF7E-7405-45C7-A1DF-F24A96D9E5B9}" type="datetimeFigureOut">
               <a:rPr lang="vi-VN" smtClean="0"/>
-              <a:t>18/05/2024</a:t>
+              <a:t>25/05/2024</a:t>
             </a:fld>
             <a:endParaRPr lang="vi-VN"/>
           </a:p>
@@ -822,6 +824,334 @@
 </p:notes>
 </file>
 
+<file path=ppt/notesSlides/notesSlide5.xml><?xml version="1.0" encoding="utf-8"?>
+<p:notes xmlns:a="http://schemas.openxmlformats.org/drawingml/2006/main" xmlns:r="http://schemas.openxmlformats.org/officeDocument/2006/relationships" xmlns:p="http://schemas.openxmlformats.org/presentationml/2006/main" showMasterSp="0" showMasterPhAnim="0">
+  <p:cSld>
+    <p:spTree>
+      <p:nvGrpSpPr>
+        <p:cNvPr id="1" name="Shape 191"/>
+        <p:cNvGrpSpPr/>
+        <p:nvPr/>
+      </p:nvGrpSpPr>
+      <p:grpSpPr>
+        <a:xfrm>
+          <a:off x="0" y="0"/>
+          <a:ext cx="0" cy="0"/>
+          <a:chOff x="0" y="0"/>
+          <a:chExt cx="0" cy="0"/>
+        </a:xfrm>
+      </p:grpSpPr>
+      <p:sp>
+        <p:nvSpPr>
+          <p:cNvPr id="192" name="Google Shape;192;g28f741a1b55_0_11:notes"/>
+          <p:cNvSpPr>
+            <a:spLocks noGrp="1" noRot="1" noChangeAspect="1"/>
+          </p:cNvSpPr>
+          <p:nvPr>
+            <p:ph type="sldImg" idx="2"/>
+          </p:nvPr>
+        </p:nvSpPr>
+        <p:spPr>
+          <a:xfrm>
+            <a:off x="685800" y="1143000"/>
+            <a:ext cx="5486400" cy="3086100"/>
+          </a:xfrm>
+          <a:custGeom>
+            <a:avLst/>
+            <a:gdLst/>
+            <a:ahLst/>
+            <a:cxnLst/>
+            <a:rect l="l" t="t" r="r" b="b"/>
+            <a:pathLst>
+              <a:path w="120000" h="120000" extrusionOk="0">
+                <a:moveTo>
+                  <a:pt x="0" y="0"/>
+                </a:moveTo>
+                <a:lnTo>
+                  <a:pt x="120000" y="0"/>
+                </a:lnTo>
+                <a:lnTo>
+                  <a:pt x="120000" y="120000"/>
+                </a:lnTo>
+                <a:lnTo>
+                  <a:pt x="0" y="120000"/>
+                </a:lnTo>
+                <a:close/>
+              </a:path>
+            </a:pathLst>
+          </a:custGeom>
+          <a:noFill/>
+          <a:ln w="12700" cap="flat" cmpd="sng">
+            <a:solidFill>
+              <a:srgbClr val="000000"/>
+            </a:solidFill>
+            <a:prstDash val="solid"/>
+            <a:round/>
+            <a:headEnd type="none" w="sm" len="sm"/>
+            <a:tailEnd type="none" w="sm" len="sm"/>
+          </a:ln>
+        </p:spPr>
+      </p:sp>
+      <p:sp>
+        <p:nvSpPr>
+          <p:cNvPr id="193" name="Google Shape;193;g28f741a1b55_0_11:notes"/>
+          <p:cNvSpPr txBox="1">
+            <a:spLocks noGrp="1"/>
+          </p:cNvSpPr>
+          <p:nvPr>
+            <p:ph type="body" idx="1"/>
+          </p:nvPr>
+        </p:nvSpPr>
+        <p:spPr>
+          <a:xfrm>
+            <a:off x="685800" y="4400550"/>
+            <a:ext cx="5486400" cy="3600600"/>
+          </a:xfrm>
+          <a:prstGeom prst="rect">
+            <a:avLst/>
+          </a:prstGeom>
+          <a:noFill/>
+          <a:ln>
+            <a:noFill/>
+          </a:ln>
+        </p:spPr>
+        <p:txBody>
+          <a:bodyPr spcFirstLastPara="1" wrap="square" lIns="91425" tIns="45700" rIns="91425" bIns="45700" anchor="t" anchorCtr="0">
+            <a:noAutofit/>
+          </a:bodyPr>
+          <a:lstStyle/>
+          <a:p>
+            <a:pPr marL="0" lvl="0" indent="0" algn="l" rtl="0">
+              <a:spcBef>
+                <a:spcPts val="0"/>
+              </a:spcBef>
+              <a:spcAft>
+                <a:spcPts val="0"/>
+              </a:spcAft>
+              <a:buNone/>
+            </a:pPr>
+            <a:endParaRPr/>
+          </a:p>
+        </p:txBody>
+      </p:sp>
+      <p:sp>
+        <p:nvSpPr>
+          <p:cNvPr id="194" name="Google Shape;194;g28f741a1b55_0_11:notes"/>
+          <p:cNvSpPr txBox="1">
+            <a:spLocks noGrp="1"/>
+          </p:cNvSpPr>
+          <p:nvPr>
+            <p:ph type="sldNum" idx="12"/>
+          </p:nvPr>
+        </p:nvSpPr>
+        <p:spPr>
+          <a:xfrm>
+            <a:off x="3884613" y="8685213"/>
+            <a:ext cx="2971800" cy="458700"/>
+          </a:xfrm>
+          <a:prstGeom prst="rect">
+            <a:avLst/>
+          </a:prstGeom>
+          <a:noFill/>
+          <a:ln>
+            <a:noFill/>
+          </a:ln>
+        </p:spPr>
+        <p:txBody>
+          <a:bodyPr spcFirstLastPara="1" wrap="square" lIns="91425" tIns="45700" rIns="91425" bIns="45700" anchor="b" anchorCtr="0">
+            <a:noAutofit/>
+          </a:bodyPr>
+          <a:lstStyle/>
+          <a:p>
+            <a:pPr marL="0" lvl="0" indent="0" algn="r" rtl="0">
+              <a:spcBef>
+                <a:spcPts val="0"/>
+              </a:spcBef>
+              <a:spcAft>
+                <a:spcPts val="0"/>
+              </a:spcAft>
+              <a:buNone/>
+            </a:pPr>
+            <a:fld id="{00000000-1234-1234-1234-123412341234}" type="slidenum">
+              <a:rPr lang="vi-VN"/>
+              <a:t>10</a:t>
+            </a:fld>
+            <a:endParaRPr/>
+          </a:p>
+        </p:txBody>
+      </p:sp>
+    </p:spTree>
+  </p:cSld>
+  <p:clrMapOvr>
+    <a:masterClrMapping/>
+  </p:clrMapOvr>
+</p:notes>
+</file>
+
+<file path=ppt/notesSlides/notesSlide6.xml><?xml version="1.0" encoding="utf-8"?>
+<p:notes xmlns:a="http://schemas.openxmlformats.org/drawingml/2006/main" xmlns:r="http://schemas.openxmlformats.org/officeDocument/2006/relationships" xmlns:p="http://schemas.openxmlformats.org/presentationml/2006/main" showMasterSp="0" showMasterPhAnim="0">
+  <p:cSld>
+    <p:spTree>
+      <p:nvGrpSpPr>
+        <p:cNvPr id="1" name="Shape 204"/>
+        <p:cNvGrpSpPr/>
+        <p:nvPr/>
+      </p:nvGrpSpPr>
+      <p:grpSpPr>
+        <a:xfrm>
+          <a:off x="0" y="0"/>
+          <a:ext cx="0" cy="0"/>
+          <a:chOff x="0" y="0"/>
+          <a:chExt cx="0" cy="0"/>
+        </a:xfrm>
+      </p:grpSpPr>
+      <p:sp>
+        <p:nvSpPr>
+          <p:cNvPr id="205" name="Google Shape;205;p7:notes"/>
+          <p:cNvSpPr>
+            <a:spLocks noGrp="1" noRot="1" noChangeAspect="1"/>
+          </p:cNvSpPr>
+          <p:nvPr>
+            <p:ph type="sldImg" idx="2"/>
+          </p:nvPr>
+        </p:nvSpPr>
+        <p:spPr>
+          <a:xfrm>
+            <a:off x="685800" y="1143000"/>
+            <a:ext cx="5486400" cy="3086100"/>
+          </a:xfrm>
+          <a:custGeom>
+            <a:avLst/>
+            <a:gdLst/>
+            <a:ahLst/>
+            <a:cxnLst/>
+            <a:rect l="l" t="t" r="r" b="b"/>
+            <a:pathLst>
+              <a:path w="120000" h="120000" extrusionOk="0">
+                <a:moveTo>
+                  <a:pt x="0" y="0"/>
+                </a:moveTo>
+                <a:lnTo>
+                  <a:pt x="120000" y="0"/>
+                </a:lnTo>
+                <a:lnTo>
+                  <a:pt x="120000" y="120000"/>
+                </a:lnTo>
+                <a:lnTo>
+                  <a:pt x="0" y="120000"/>
+                </a:lnTo>
+                <a:close/>
+              </a:path>
+            </a:pathLst>
+          </a:custGeom>
+          <a:noFill/>
+          <a:ln w="12700" cap="flat" cmpd="sng">
+            <a:solidFill>
+              <a:srgbClr val="000000"/>
+            </a:solidFill>
+            <a:prstDash val="solid"/>
+            <a:round/>
+            <a:headEnd type="none" w="sm" len="sm"/>
+            <a:tailEnd type="none" w="sm" len="sm"/>
+          </a:ln>
+        </p:spPr>
+      </p:sp>
+      <p:sp>
+        <p:nvSpPr>
+          <p:cNvPr id="206" name="Google Shape;206;p7:notes"/>
+          <p:cNvSpPr txBox="1">
+            <a:spLocks noGrp="1"/>
+          </p:cNvSpPr>
+          <p:nvPr>
+            <p:ph type="body" idx="1"/>
+          </p:nvPr>
+        </p:nvSpPr>
+        <p:spPr>
+          <a:xfrm>
+            <a:off x="685800" y="4400550"/>
+            <a:ext cx="5486400" cy="3600450"/>
+          </a:xfrm>
+          <a:prstGeom prst="rect">
+            <a:avLst/>
+          </a:prstGeom>
+          <a:noFill/>
+          <a:ln>
+            <a:noFill/>
+          </a:ln>
+        </p:spPr>
+        <p:txBody>
+          <a:bodyPr spcFirstLastPara="1" wrap="square" lIns="91425" tIns="45700" rIns="91425" bIns="45700" anchor="t" anchorCtr="0">
+            <a:noAutofit/>
+          </a:bodyPr>
+          <a:lstStyle/>
+          <a:p>
+            <a:pPr marL="0" lvl="0" indent="0" algn="l" rtl="0">
+              <a:spcBef>
+                <a:spcPts val="0"/>
+              </a:spcBef>
+              <a:spcAft>
+                <a:spcPts val="0"/>
+              </a:spcAft>
+              <a:buNone/>
+            </a:pPr>
+            <a:endParaRPr/>
+          </a:p>
+        </p:txBody>
+      </p:sp>
+      <p:sp>
+        <p:nvSpPr>
+          <p:cNvPr id="207" name="Google Shape;207;p7:notes"/>
+          <p:cNvSpPr txBox="1">
+            <a:spLocks noGrp="1"/>
+          </p:cNvSpPr>
+          <p:nvPr>
+            <p:ph type="sldNum" idx="12"/>
+          </p:nvPr>
+        </p:nvSpPr>
+        <p:spPr>
+          <a:xfrm>
+            <a:off x="3884613" y="8685213"/>
+            <a:ext cx="2971800" cy="458787"/>
+          </a:xfrm>
+          <a:prstGeom prst="rect">
+            <a:avLst/>
+          </a:prstGeom>
+          <a:noFill/>
+          <a:ln>
+            <a:noFill/>
+          </a:ln>
+        </p:spPr>
+        <p:txBody>
+          <a:bodyPr spcFirstLastPara="1" wrap="square" lIns="91425" tIns="45700" rIns="91425" bIns="45700" anchor="b" anchorCtr="0">
+            <a:noAutofit/>
+          </a:bodyPr>
+          <a:lstStyle/>
+          <a:p>
+            <a:pPr marL="0" lvl="0" indent="0" algn="r" rtl="0">
+              <a:spcBef>
+                <a:spcPts val="0"/>
+              </a:spcBef>
+              <a:spcAft>
+                <a:spcPts val="0"/>
+              </a:spcAft>
+              <a:buNone/>
+            </a:pPr>
+            <a:fld id="{00000000-1234-1234-1234-123412341234}" type="slidenum">
+              <a:rPr lang="vi-VN"/>
+              <a:t>11</a:t>
+            </a:fld>
+            <a:endParaRPr/>
+          </a:p>
+        </p:txBody>
+      </p:sp>
+    </p:spTree>
+  </p:cSld>
+  <p:clrMapOvr>
+    <a:masterClrMapping/>
+  </p:clrMapOvr>
+</p:notes>
+</file>
+
 <file path=ppt/slideLayouts/slideLayout1.xml><?xml version="1.0" encoding="utf-8"?>
 <p:sldLayout xmlns:a="http://schemas.openxmlformats.org/drawingml/2006/main" xmlns:r="http://schemas.openxmlformats.org/officeDocument/2006/relationships" xmlns:p="http://schemas.openxmlformats.org/presentationml/2006/main" type="title" preserve="1">
   <p:cSld name="Tiêu đề Bản chiếu">
@@ -969,7 +1299,7 @@
           <a:p>
             <a:fld id="{6B2C5D8A-8BC0-4394-9E95-AA7010422381}" type="datetimeFigureOut">
               <a:rPr lang="vi-VN" smtClean="0"/>
-              <a:t>18/05/2024</a:t>
+              <a:t>25/05/2024</a:t>
             </a:fld>
             <a:endParaRPr lang="vi-VN"/>
           </a:p>
@@ -1167,7 +1497,7 @@
           <a:p>
             <a:fld id="{6B2C5D8A-8BC0-4394-9E95-AA7010422381}" type="datetimeFigureOut">
               <a:rPr lang="vi-VN" smtClean="0"/>
-              <a:t>18/05/2024</a:t>
+              <a:t>25/05/2024</a:t>
             </a:fld>
             <a:endParaRPr lang="vi-VN"/>
           </a:p>
@@ -1375,7 +1705,7 @@
           <a:p>
             <a:fld id="{6B2C5D8A-8BC0-4394-9E95-AA7010422381}" type="datetimeFigureOut">
               <a:rPr lang="vi-VN" smtClean="0"/>
-              <a:t>18/05/2024</a:t>
+              <a:t>25/05/2024</a:t>
             </a:fld>
             <a:endParaRPr lang="vi-VN"/>
           </a:p>
@@ -1573,7 +1903,7 @@
           <a:p>
             <a:fld id="{6B2C5D8A-8BC0-4394-9E95-AA7010422381}" type="datetimeFigureOut">
               <a:rPr lang="vi-VN" smtClean="0"/>
-              <a:t>18/05/2024</a:t>
+              <a:t>25/05/2024</a:t>
             </a:fld>
             <a:endParaRPr lang="vi-VN"/>
           </a:p>
@@ -1848,7 +2178,7 @@
           <a:p>
             <a:fld id="{6B2C5D8A-8BC0-4394-9E95-AA7010422381}" type="datetimeFigureOut">
               <a:rPr lang="vi-VN" smtClean="0"/>
-              <a:t>18/05/2024</a:t>
+              <a:t>25/05/2024</a:t>
             </a:fld>
             <a:endParaRPr lang="vi-VN"/>
           </a:p>
@@ -2113,7 +2443,7 @@
           <a:p>
             <a:fld id="{6B2C5D8A-8BC0-4394-9E95-AA7010422381}" type="datetimeFigureOut">
               <a:rPr lang="vi-VN" smtClean="0"/>
-              <a:t>18/05/2024</a:t>
+              <a:t>25/05/2024</a:t>
             </a:fld>
             <a:endParaRPr lang="vi-VN"/>
           </a:p>
@@ -2525,7 +2855,7 @@
           <a:p>
             <a:fld id="{6B2C5D8A-8BC0-4394-9E95-AA7010422381}" type="datetimeFigureOut">
               <a:rPr lang="vi-VN" smtClean="0"/>
-              <a:t>18/05/2024</a:t>
+              <a:t>25/05/2024</a:t>
             </a:fld>
             <a:endParaRPr lang="vi-VN"/>
           </a:p>
@@ -2666,7 +2996,7 @@
           <a:p>
             <a:fld id="{6B2C5D8A-8BC0-4394-9E95-AA7010422381}" type="datetimeFigureOut">
               <a:rPr lang="vi-VN" smtClean="0"/>
-              <a:t>18/05/2024</a:t>
+              <a:t>25/05/2024</a:t>
             </a:fld>
             <a:endParaRPr lang="vi-VN"/>
           </a:p>
@@ -2779,7 +3109,7 @@
           <a:p>
             <a:fld id="{6B2C5D8A-8BC0-4394-9E95-AA7010422381}" type="datetimeFigureOut">
               <a:rPr lang="vi-VN" smtClean="0"/>
-              <a:t>18/05/2024</a:t>
+              <a:t>25/05/2024</a:t>
             </a:fld>
             <a:endParaRPr lang="vi-VN"/>
           </a:p>
@@ -3090,7 +3420,7 @@
           <a:p>
             <a:fld id="{6B2C5D8A-8BC0-4394-9E95-AA7010422381}" type="datetimeFigureOut">
               <a:rPr lang="vi-VN" smtClean="0"/>
-              <a:t>18/05/2024</a:t>
+              <a:t>25/05/2024</a:t>
             </a:fld>
             <a:endParaRPr lang="vi-VN"/>
           </a:p>
@@ -3378,7 +3708,7 @@
           <a:p>
             <a:fld id="{6B2C5D8A-8BC0-4394-9E95-AA7010422381}" type="datetimeFigureOut">
               <a:rPr lang="vi-VN" smtClean="0"/>
-              <a:t>18/05/2024</a:t>
+              <a:t>25/05/2024</a:t>
             </a:fld>
             <a:endParaRPr lang="vi-VN"/>
           </a:p>
@@ -3619,7 +3949,7 @@
           <a:p>
             <a:fld id="{6B2C5D8A-8BC0-4394-9E95-AA7010422381}" type="datetimeFigureOut">
               <a:rPr lang="vi-VN" smtClean="0"/>
-              <a:t>18/05/2024</a:t>
+              <a:t>25/05/2024</a:t>
             </a:fld>
             <a:endParaRPr lang="vi-VN"/>
           </a:p>
@@ -4239,6 +4569,1986 @@
 </p:sld>
 </file>
 
+<file path=ppt/slides/slide10.xml><?xml version="1.0" encoding="utf-8"?>
+<p:sld xmlns:a="http://schemas.openxmlformats.org/drawingml/2006/main" xmlns:r="http://schemas.openxmlformats.org/officeDocument/2006/relationships" xmlns:p="http://schemas.openxmlformats.org/presentationml/2006/main">
+  <p:cSld>
+    <p:spTree>
+      <p:nvGrpSpPr>
+        <p:cNvPr id="1" name="Shape 195"/>
+        <p:cNvGrpSpPr/>
+        <p:nvPr/>
+      </p:nvGrpSpPr>
+      <p:grpSpPr>
+        <a:xfrm>
+          <a:off x="0" y="0"/>
+          <a:ext cx="0" cy="0"/>
+          <a:chOff x="0" y="0"/>
+          <a:chExt cx="0" cy="0"/>
+        </a:xfrm>
+      </p:grpSpPr>
+      <p:sp>
+        <p:nvSpPr>
+          <p:cNvPr id="196" name="Google Shape;196;g28f741a1b55_0_11">
+            <a:hlinkClick r:id="rId3" action="ppaction://hlinksldjump"/>
+          </p:cNvPr>
+          <p:cNvSpPr/>
+          <p:nvPr/>
+        </p:nvSpPr>
+        <p:spPr>
+          <a:xfrm>
+            <a:off x="4937483" y="6528818"/>
+            <a:ext cx="227400" cy="227400"/>
+          </a:xfrm>
+          <a:prstGeom prst="ellipse">
+            <a:avLst/>
+          </a:prstGeom>
+          <a:noFill/>
+          <a:ln w="38100" cap="flat" cmpd="sng">
+            <a:solidFill>
+              <a:srgbClr val="0166FF"/>
+            </a:solidFill>
+            <a:prstDash val="solid"/>
+            <a:miter lim="800000"/>
+            <a:headEnd type="none" w="sm" len="sm"/>
+            <a:tailEnd type="none" w="sm" len="sm"/>
+          </a:ln>
+        </p:spPr>
+        <p:txBody>
+          <a:bodyPr spcFirstLastPara="1" wrap="square" lIns="91425" tIns="45700" rIns="91425" bIns="45700" anchor="ctr" anchorCtr="0">
+            <a:noAutofit/>
+          </a:bodyPr>
+          <a:lstStyle/>
+          <a:p>
+            <a:pPr marL="0" marR="0" lvl="0" indent="0" algn="ctr" rtl="0">
+              <a:spcBef>
+                <a:spcPts val="0"/>
+              </a:spcBef>
+              <a:spcAft>
+                <a:spcPts val="0"/>
+              </a:spcAft>
+              <a:buNone/>
+            </a:pPr>
+            <a:r>
+              <a:rPr lang="vi-VN" sz="1100">
+                <a:solidFill>
+                  <a:srgbClr val="0166FF"/>
+                </a:solidFill>
+                <a:latin typeface="Roboto Black"/>
+                <a:ea typeface="Roboto Black"/>
+                <a:cs typeface="Roboto Black"/>
+                <a:sym typeface="Roboto Black"/>
+              </a:rPr>
+              <a:t>1</a:t>
+            </a:r>
+            <a:endParaRPr/>
+          </a:p>
+        </p:txBody>
+      </p:sp>
+      <p:sp>
+        <p:nvSpPr>
+          <p:cNvPr id="197" name="Google Shape;197;g28f741a1b55_0_11">
+            <a:hlinkClick r:id="rId4" action="ppaction://hlinksldjump"/>
+          </p:cNvPr>
+          <p:cNvSpPr/>
+          <p:nvPr/>
+        </p:nvSpPr>
+        <p:spPr>
+          <a:xfrm>
+            <a:off x="5330391" y="6528818"/>
+            <a:ext cx="227400" cy="227400"/>
+          </a:xfrm>
+          <a:prstGeom prst="ellipse">
+            <a:avLst/>
+          </a:prstGeom>
+          <a:noFill/>
+          <a:ln w="38100" cap="flat" cmpd="sng">
+            <a:solidFill>
+              <a:srgbClr val="0166FF"/>
+            </a:solidFill>
+            <a:prstDash val="solid"/>
+            <a:miter lim="800000"/>
+            <a:headEnd type="none" w="sm" len="sm"/>
+            <a:tailEnd type="none" w="sm" len="sm"/>
+          </a:ln>
+        </p:spPr>
+        <p:txBody>
+          <a:bodyPr spcFirstLastPara="1" wrap="square" lIns="91425" tIns="45700" rIns="91425" bIns="45700" anchor="ctr" anchorCtr="0">
+            <a:noAutofit/>
+          </a:bodyPr>
+          <a:lstStyle/>
+          <a:p>
+            <a:pPr marL="0" marR="0" lvl="0" indent="0" algn="ctr" rtl="0">
+              <a:spcBef>
+                <a:spcPts val="0"/>
+              </a:spcBef>
+              <a:spcAft>
+                <a:spcPts val="0"/>
+              </a:spcAft>
+              <a:buNone/>
+            </a:pPr>
+            <a:r>
+              <a:rPr lang="vi-VN" sz="1100">
+                <a:solidFill>
+                  <a:srgbClr val="0166FF"/>
+                </a:solidFill>
+                <a:latin typeface="Roboto Black"/>
+                <a:ea typeface="Roboto Black"/>
+                <a:cs typeface="Roboto Black"/>
+                <a:sym typeface="Roboto Black"/>
+              </a:rPr>
+              <a:t>2</a:t>
+            </a:r>
+            <a:endParaRPr/>
+          </a:p>
+        </p:txBody>
+      </p:sp>
+      <p:sp>
+        <p:nvSpPr>
+          <p:cNvPr id="198" name="Google Shape;198;g28f741a1b55_0_11">
+            <a:hlinkClick r:id="rId5" action="ppaction://hlinksldjump"/>
+          </p:cNvPr>
+          <p:cNvSpPr/>
+          <p:nvPr/>
+        </p:nvSpPr>
+        <p:spPr>
+          <a:xfrm>
+            <a:off x="5723299" y="6528818"/>
+            <a:ext cx="227400" cy="227400"/>
+          </a:xfrm>
+          <a:prstGeom prst="ellipse">
+            <a:avLst/>
+          </a:prstGeom>
+          <a:solidFill>
+            <a:schemeClr val="lt1"/>
+          </a:solidFill>
+          <a:ln w="38100" cap="flat" cmpd="sng">
+            <a:solidFill>
+              <a:srgbClr val="0166FF"/>
+            </a:solidFill>
+            <a:prstDash val="solid"/>
+            <a:miter lim="800000"/>
+            <a:headEnd type="none" w="sm" len="sm"/>
+            <a:tailEnd type="none" w="sm" len="sm"/>
+          </a:ln>
+        </p:spPr>
+        <p:txBody>
+          <a:bodyPr spcFirstLastPara="1" wrap="square" lIns="91425" tIns="45700" rIns="91425" bIns="45700" anchor="ctr" anchorCtr="0">
+            <a:noAutofit/>
+          </a:bodyPr>
+          <a:lstStyle/>
+          <a:p>
+            <a:pPr marL="0" marR="0" lvl="0" indent="0" algn="ctr" rtl="0">
+              <a:spcBef>
+                <a:spcPts val="0"/>
+              </a:spcBef>
+              <a:spcAft>
+                <a:spcPts val="0"/>
+              </a:spcAft>
+              <a:buNone/>
+            </a:pPr>
+            <a:r>
+              <a:rPr lang="vi-VN" sz="1100">
+                <a:solidFill>
+                  <a:srgbClr val="0166FF"/>
+                </a:solidFill>
+                <a:latin typeface="Roboto Black"/>
+                <a:ea typeface="Roboto Black"/>
+                <a:cs typeface="Roboto Black"/>
+                <a:sym typeface="Roboto Black"/>
+              </a:rPr>
+              <a:t>3</a:t>
+            </a:r>
+            <a:endParaRPr/>
+          </a:p>
+        </p:txBody>
+      </p:sp>
+      <p:sp>
+        <p:nvSpPr>
+          <p:cNvPr id="199" name="Google Shape;199;g28f741a1b55_0_11">
+            <a:hlinkClick r:id="rId4" action="ppaction://hlinksldjump"/>
+          </p:cNvPr>
+          <p:cNvSpPr/>
+          <p:nvPr/>
+        </p:nvSpPr>
+        <p:spPr>
+          <a:xfrm>
+            <a:off x="6116207" y="6528817"/>
+            <a:ext cx="227400" cy="227400"/>
+          </a:xfrm>
+          <a:prstGeom prst="ellipse">
+            <a:avLst/>
+          </a:prstGeom>
+          <a:noFill/>
+          <a:ln w="38100" cap="flat" cmpd="sng">
+            <a:solidFill>
+              <a:srgbClr val="0166FF"/>
+            </a:solidFill>
+            <a:prstDash val="solid"/>
+            <a:miter lim="800000"/>
+            <a:headEnd type="none" w="sm" len="sm"/>
+            <a:tailEnd type="none" w="sm" len="sm"/>
+          </a:ln>
+        </p:spPr>
+        <p:txBody>
+          <a:bodyPr spcFirstLastPara="1" wrap="square" lIns="91425" tIns="45700" rIns="91425" bIns="45700" anchor="ctr" anchorCtr="0">
+            <a:noAutofit/>
+          </a:bodyPr>
+          <a:lstStyle/>
+          <a:p>
+            <a:pPr marL="0" marR="0" lvl="0" indent="0" algn="ctr" rtl="0">
+              <a:spcBef>
+                <a:spcPts val="0"/>
+              </a:spcBef>
+              <a:spcAft>
+                <a:spcPts val="0"/>
+              </a:spcAft>
+              <a:buNone/>
+            </a:pPr>
+            <a:r>
+              <a:rPr lang="vi-VN" sz="1100">
+                <a:solidFill>
+                  <a:srgbClr val="0166FF"/>
+                </a:solidFill>
+                <a:latin typeface="Roboto Black"/>
+                <a:ea typeface="Roboto Black"/>
+                <a:cs typeface="Roboto Black"/>
+                <a:sym typeface="Roboto Black"/>
+              </a:rPr>
+              <a:t>4</a:t>
+            </a:r>
+            <a:endParaRPr/>
+          </a:p>
+        </p:txBody>
+      </p:sp>
+      <p:sp>
+        <p:nvSpPr>
+          <p:cNvPr id="200" name="Google Shape;200;g28f741a1b55_0_11">
+            <a:hlinkClick r:id="rId6" action="ppaction://hlinksldjump"/>
+          </p:cNvPr>
+          <p:cNvSpPr/>
+          <p:nvPr/>
+        </p:nvSpPr>
+        <p:spPr>
+          <a:xfrm>
+            <a:off x="6509115" y="6528817"/>
+            <a:ext cx="227400" cy="227400"/>
+          </a:xfrm>
+          <a:prstGeom prst="ellipse">
+            <a:avLst/>
+          </a:prstGeom>
+          <a:solidFill>
+            <a:srgbClr val="7DCCDB"/>
+          </a:solidFill>
+          <a:ln w="38100" cap="flat" cmpd="sng">
+            <a:solidFill>
+              <a:srgbClr val="0166FF"/>
+            </a:solidFill>
+            <a:prstDash val="solid"/>
+            <a:miter lim="800000"/>
+            <a:headEnd type="none" w="sm" len="sm"/>
+            <a:tailEnd type="none" w="sm" len="sm"/>
+          </a:ln>
+        </p:spPr>
+        <p:txBody>
+          <a:bodyPr spcFirstLastPara="1" wrap="square" lIns="91425" tIns="45700" rIns="91425" bIns="45700" anchor="ctr" anchorCtr="0">
+            <a:noAutofit/>
+          </a:bodyPr>
+          <a:lstStyle/>
+          <a:p>
+            <a:pPr marL="0" marR="0" lvl="0" indent="0" algn="ctr" rtl="0">
+              <a:spcBef>
+                <a:spcPts val="0"/>
+              </a:spcBef>
+              <a:spcAft>
+                <a:spcPts val="0"/>
+              </a:spcAft>
+              <a:buNone/>
+            </a:pPr>
+            <a:r>
+              <a:rPr lang="vi-VN" sz="1100">
+                <a:solidFill>
+                  <a:srgbClr val="0166FF"/>
+                </a:solidFill>
+                <a:latin typeface="Roboto Black"/>
+                <a:ea typeface="Roboto Black"/>
+                <a:cs typeface="Roboto Black"/>
+                <a:sym typeface="Roboto Black"/>
+              </a:rPr>
+              <a:t>5</a:t>
+            </a:r>
+            <a:endParaRPr/>
+          </a:p>
+        </p:txBody>
+      </p:sp>
+      <p:sp>
+        <p:nvSpPr>
+          <p:cNvPr id="201" name="Google Shape;201;g28f741a1b55_0_11">
+            <a:hlinkClick r:id="rId7" action="ppaction://hlinksldjump"/>
+          </p:cNvPr>
+          <p:cNvSpPr/>
+          <p:nvPr/>
+        </p:nvSpPr>
+        <p:spPr>
+          <a:xfrm>
+            <a:off x="6900672" y="6528816"/>
+            <a:ext cx="227400" cy="227400"/>
+          </a:xfrm>
+          <a:prstGeom prst="ellipse">
+            <a:avLst/>
+          </a:prstGeom>
+          <a:noFill/>
+          <a:ln w="38100" cap="flat" cmpd="sng">
+            <a:solidFill>
+              <a:srgbClr val="0166FF"/>
+            </a:solidFill>
+            <a:prstDash val="solid"/>
+            <a:miter lim="800000"/>
+            <a:headEnd type="none" w="sm" len="sm"/>
+            <a:tailEnd type="none" w="sm" len="sm"/>
+          </a:ln>
+        </p:spPr>
+        <p:txBody>
+          <a:bodyPr spcFirstLastPara="1" wrap="square" lIns="91425" tIns="45700" rIns="91425" bIns="45700" anchor="ctr" anchorCtr="0">
+            <a:noAutofit/>
+          </a:bodyPr>
+          <a:lstStyle/>
+          <a:p>
+            <a:pPr marL="0" marR="0" lvl="0" indent="0" algn="ctr" rtl="0">
+              <a:spcBef>
+                <a:spcPts val="0"/>
+              </a:spcBef>
+              <a:spcAft>
+                <a:spcPts val="0"/>
+              </a:spcAft>
+              <a:buNone/>
+            </a:pPr>
+            <a:r>
+              <a:rPr lang="vi-VN" sz="1100">
+                <a:solidFill>
+                  <a:srgbClr val="0166FF"/>
+                </a:solidFill>
+                <a:latin typeface="Roboto Black"/>
+                <a:ea typeface="Roboto Black"/>
+                <a:cs typeface="Roboto Black"/>
+                <a:sym typeface="Roboto Black"/>
+              </a:rPr>
+              <a:t>6</a:t>
+            </a:r>
+            <a:endParaRPr/>
+          </a:p>
+        </p:txBody>
+      </p:sp>
+      <p:sp>
+        <p:nvSpPr>
+          <p:cNvPr id="202" name="Google Shape;202;g28f741a1b55_0_11"/>
+          <p:cNvSpPr txBox="1"/>
+          <p:nvPr/>
+        </p:nvSpPr>
+        <p:spPr>
+          <a:xfrm>
+            <a:off x="5156507" y="522406"/>
+            <a:ext cx="2146800" cy="585000"/>
+          </a:xfrm>
+          <a:prstGeom prst="rect">
+            <a:avLst/>
+          </a:prstGeom>
+          <a:noFill/>
+          <a:ln>
+            <a:noFill/>
+          </a:ln>
+        </p:spPr>
+        <p:txBody>
+          <a:bodyPr spcFirstLastPara="1" wrap="square" lIns="91425" tIns="45700" rIns="91425" bIns="45700" anchor="t" anchorCtr="0">
+            <a:spAutoFit/>
+          </a:bodyPr>
+          <a:lstStyle/>
+          <a:p>
+            <a:pPr marL="0" marR="0" lvl="0" indent="0" algn="l" rtl="0">
+              <a:spcBef>
+                <a:spcPts val="0"/>
+              </a:spcBef>
+              <a:spcAft>
+                <a:spcPts val="0"/>
+              </a:spcAft>
+              <a:buNone/>
+            </a:pPr>
+            <a:r>
+              <a:rPr lang="vi-VN" sz="3200">
+                <a:solidFill>
+                  <a:srgbClr val="0166FF"/>
+                </a:solidFill>
+                <a:latin typeface="Roboto Black"/>
+                <a:ea typeface="Roboto Black"/>
+                <a:cs typeface="Roboto Black"/>
+                <a:sym typeface="Roboto Black"/>
+              </a:rPr>
+              <a:t>Phân công</a:t>
+            </a:r>
+            <a:endParaRPr/>
+          </a:p>
+        </p:txBody>
+      </p:sp>
+      <p:graphicFrame>
+        <p:nvGraphicFramePr>
+          <p:cNvPr id="203" name="Google Shape;203;g28f741a1b55_0_11"/>
+          <p:cNvGraphicFramePr/>
+          <p:nvPr>
+            <p:extLst>
+              <p:ext uri="{D42A27DB-BD31-4B8C-83A1-F6EECF244321}">
+                <p14:modId xmlns:p14="http://schemas.microsoft.com/office/powerpoint/2010/main" val="4199749917"/>
+              </p:ext>
+            </p:extLst>
+          </p:nvPr>
+        </p:nvGraphicFramePr>
+        <p:xfrm>
+          <a:off x="2046366" y="1480875"/>
+          <a:ext cx="8103474" cy="2286040"/>
+        </p:xfrm>
+        <a:graphic>
+          <a:graphicData uri="http://schemas.openxmlformats.org/drawingml/2006/table">
+            <a:tbl>
+              <a:tblPr firstRow="1" bandRow="1">
+                <a:noFill/>
+              </a:tblPr>
+              <a:tblGrid>
+                <a:gridCol w="1248903">
+                  <a:extLst>
+                    <a:ext uri="{9D8B030D-6E8A-4147-A177-3AD203B41FA5}">
+                      <a16:colId xmlns:a16="http://schemas.microsoft.com/office/drawing/2014/main" val="20000"/>
+                    </a:ext>
+                  </a:extLst>
+                </a:gridCol>
+                <a:gridCol w="2145411">
+                  <a:extLst>
+                    <a:ext uri="{9D8B030D-6E8A-4147-A177-3AD203B41FA5}">
+                      <a16:colId xmlns:a16="http://schemas.microsoft.com/office/drawing/2014/main" val="20001"/>
+                    </a:ext>
+                  </a:extLst>
+                </a:gridCol>
+                <a:gridCol w="4709160">
+                  <a:extLst>
+                    <a:ext uri="{9D8B030D-6E8A-4147-A177-3AD203B41FA5}">
+                      <a16:colId xmlns:a16="http://schemas.microsoft.com/office/drawing/2014/main" val="20002"/>
+                    </a:ext>
+                  </a:extLst>
+                </a:gridCol>
+              </a:tblGrid>
+              <a:tr h="338775">
+                <a:tc>
+                  <a:txBody>
+                    <a:bodyPr/>
+                    <a:lstStyle/>
+                    <a:p>
+                      <a:pPr marL="0" marR="0" lvl="0" indent="0" algn="ctr" rtl="0">
+                        <a:spcBef>
+                          <a:spcPts val="0"/>
+                        </a:spcBef>
+                        <a:spcAft>
+                          <a:spcPts val="0"/>
+                        </a:spcAft>
+                        <a:buNone/>
+                      </a:pPr>
+                      <a:r>
+                        <a:rPr lang="vi-VN" sz="1800" b="1" u="none" strike="noStrike" cap="none">
+                          <a:latin typeface="Roboto"/>
+                          <a:ea typeface="Roboto"/>
+                          <a:cs typeface="Roboto"/>
+                          <a:sym typeface="Roboto"/>
+                        </a:rPr>
+                        <a:t>MSSV</a:t>
+                      </a:r>
+                      <a:endParaRPr sz="1800"/>
+                    </a:p>
+                  </a:txBody>
+                  <a:tcPr marL="91450" marR="91450" marT="45725" marB="45725">
+                    <a:lnL w="12700" cap="flat" cmpd="sng">
+                      <a:solidFill>
+                        <a:schemeClr val="dk1"/>
+                      </a:solidFill>
+                      <a:prstDash val="solid"/>
+                      <a:round/>
+                      <a:headEnd type="none" w="sm" len="sm"/>
+                      <a:tailEnd type="none" w="sm" len="sm"/>
+                    </a:lnL>
+                    <a:lnR w="12700" cap="flat" cmpd="sng">
+                      <a:solidFill>
+                        <a:schemeClr val="dk1"/>
+                      </a:solidFill>
+                      <a:prstDash val="solid"/>
+                      <a:round/>
+                      <a:headEnd type="none" w="sm" len="sm"/>
+                      <a:tailEnd type="none" w="sm" len="sm"/>
+                    </a:lnR>
+                    <a:lnT w="12700" cap="flat" cmpd="sng">
+                      <a:solidFill>
+                        <a:schemeClr val="dk1"/>
+                      </a:solidFill>
+                      <a:prstDash val="solid"/>
+                      <a:round/>
+                      <a:headEnd type="none" w="sm" len="sm"/>
+                      <a:tailEnd type="none" w="sm" len="sm"/>
+                    </a:lnT>
+                    <a:lnB w="12700" cap="flat" cmpd="sng">
+                      <a:solidFill>
+                        <a:srgbClr val="000000"/>
+                      </a:solidFill>
+                      <a:prstDash val="solid"/>
+                      <a:round/>
+                      <a:headEnd type="none" w="sm" len="sm"/>
+                      <a:tailEnd type="none" w="sm" len="sm"/>
+                    </a:lnB>
+                    <a:solidFill>
+                      <a:srgbClr val="ADE2E9"/>
+                    </a:solidFill>
+                  </a:tcPr>
+                </a:tc>
+                <a:tc>
+                  <a:txBody>
+                    <a:bodyPr/>
+                    <a:lstStyle/>
+                    <a:p>
+                      <a:pPr marL="0" marR="0" lvl="0" indent="0" algn="ctr" rtl="0">
+                        <a:spcBef>
+                          <a:spcPts val="0"/>
+                        </a:spcBef>
+                        <a:spcAft>
+                          <a:spcPts val="0"/>
+                        </a:spcAft>
+                        <a:buNone/>
+                      </a:pPr>
+                      <a:r>
+                        <a:rPr lang="vi-VN" sz="1800" b="1" u="none" strike="noStrike" cap="none">
+                          <a:latin typeface="Roboto"/>
+                          <a:ea typeface="Roboto"/>
+                          <a:cs typeface="Roboto"/>
+                          <a:sym typeface="Roboto"/>
+                        </a:rPr>
+                        <a:t>Họ và tên</a:t>
+                      </a:r>
+                      <a:endParaRPr sz="1800"/>
+                    </a:p>
+                  </a:txBody>
+                  <a:tcPr marL="91450" marR="91450" marT="45725" marB="45725">
+                    <a:lnL w="12700" cap="flat" cmpd="sng">
+                      <a:solidFill>
+                        <a:schemeClr val="dk1"/>
+                      </a:solidFill>
+                      <a:prstDash val="solid"/>
+                      <a:round/>
+                      <a:headEnd type="none" w="sm" len="sm"/>
+                      <a:tailEnd type="none" w="sm" len="sm"/>
+                    </a:lnL>
+                    <a:lnR w="12700" cap="flat" cmpd="sng">
+                      <a:solidFill>
+                        <a:schemeClr val="dk1"/>
+                      </a:solidFill>
+                      <a:prstDash val="solid"/>
+                      <a:round/>
+                      <a:headEnd type="none" w="sm" len="sm"/>
+                      <a:tailEnd type="none" w="sm" len="sm"/>
+                    </a:lnR>
+                    <a:lnT w="12700" cap="flat" cmpd="sng">
+                      <a:solidFill>
+                        <a:schemeClr val="dk1"/>
+                      </a:solidFill>
+                      <a:prstDash val="solid"/>
+                      <a:round/>
+                      <a:headEnd type="none" w="sm" len="sm"/>
+                      <a:tailEnd type="none" w="sm" len="sm"/>
+                    </a:lnT>
+                    <a:lnB w="12700" cap="flat" cmpd="sng">
+                      <a:solidFill>
+                        <a:srgbClr val="000000"/>
+                      </a:solidFill>
+                      <a:prstDash val="solid"/>
+                      <a:round/>
+                      <a:headEnd type="none" w="sm" len="sm"/>
+                      <a:tailEnd type="none" w="sm" len="sm"/>
+                    </a:lnB>
+                    <a:solidFill>
+                      <a:srgbClr val="ADE2E9"/>
+                    </a:solidFill>
+                  </a:tcPr>
+                </a:tc>
+                <a:tc>
+                  <a:txBody>
+                    <a:bodyPr/>
+                    <a:lstStyle/>
+                    <a:p>
+                      <a:pPr marL="0" marR="0" lvl="0" indent="0" algn="ctr" rtl="0">
+                        <a:spcBef>
+                          <a:spcPts val="0"/>
+                        </a:spcBef>
+                        <a:spcAft>
+                          <a:spcPts val="0"/>
+                        </a:spcAft>
+                        <a:buNone/>
+                      </a:pPr>
+                      <a:r>
+                        <a:rPr lang="vi-VN" sz="1800" b="1">
+                          <a:latin typeface="Roboto"/>
+                          <a:ea typeface="Roboto"/>
+                          <a:cs typeface="Roboto"/>
+                          <a:sym typeface="Roboto"/>
+                        </a:rPr>
+                        <a:t>Phân công c</a:t>
+                      </a:r>
+                      <a:r>
+                        <a:rPr lang="vi-VN" sz="1800" b="1" u="none" strike="noStrike" cap="none">
+                          <a:latin typeface="Roboto"/>
+                          <a:ea typeface="Roboto"/>
+                          <a:cs typeface="Roboto"/>
+                          <a:sym typeface="Roboto"/>
+                        </a:rPr>
+                        <a:t>ông việc</a:t>
+                      </a:r>
+                      <a:endParaRPr sz="1800"/>
+                    </a:p>
+                  </a:txBody>
+                  <a:tcPr marL="91450" marR="91450" marT="45725" marB="45725">
+                    <a:lnL w="12700" cap="flat" cmpd="sng">
+                      <a:solidFill>
+                        <a:schemeClr val="dk1"/>
+                      </a:solidFill>
+                      <a:prstDash val="solid"/>
+                      <a:round/>
+                      <a:headEnd type="none" w="sm" len="sm"/>
+                      <a:tailEnd type="none" w="sm" len="sm"/>
+                    </a:lnL>
+                    <a:lnR w="12700" cap="flat" cmpd="sng">
+                      <a:solidFill>
+                        <a:schemeClr val="dk1"/>
+                      </a:solidFill>
+                      <a:prstDash val="solid"/>
+                      <a:round/>
+                      <a:headEnd type="none" w="sm" len="sm"/>
+                      <a:tailEnd type="none" w="sm" len="sm"/>
+                    </a:lnR>
+                    <a:lnT w="12700" cap="flat" cmpd="sng">
+                      <a:solidFill>
+                        <a:schemeClr val="dk1"/>
+                      </a:solidFill>
+                      <a:prstDash val="solid"/>
+                      <a:round/>
+                      <a:headEnd type="none" w="sm" len="sm"/>
+                      <a:tailEnd type="none" w="sm" len="sm"/>
+                    </a:lnT>
+                    <a:lnB w="12700" cap="flat" cmpd="sng">
+                      <a:solidFill>
+                        <a:srgbClr val="000000"/>
+                      </a:solidFill>
+                      <a:prstDash val="solid"/>
+                      <a:round/>
+                      <a:headEnd type="none" w="sm" len="sm"/>
+                      <a:tailEnd type="none" w="sm" len="sm"/>
+                    </a:lnB>
+                    <a:solidFill>
+                      <a:srgbClr val="ADE2E9"/>
+                    </a:solidFill>
+                  </a:tcPr>
+                </a:tc>
+                <a:extLst>
+                  <a:ext uri="{0D108BD9-81ED-4DB2-BD59-A6C34878D82A}">
+                    <a16:rowId xmlns:a16="http://schemas.microsoft.com/office/drawing/2014/main" val="10000"/>
+                  </a:ext>
+                </a:extLst>
+              </a:tr>
+              <a:tr h="539500">
+                <a:tc>
+                  <a:txBody>
+                    <a:bodyPr/>
+                    <a:lstStyle/>
+                    <a:p>
+                      <a:pPr marL="0" marR="0" lvl="0" indent="0" algn="ctr" rtl="0">
+                        <a:lnSpc>
+                          <a:spcPct val="107000"/>
+                        </a:lnSpc>
+                        <a:spcBef>
+                          <a:spcPts val="0"/>
+                        </a:spcBef>
+                        <a:spcAft>
+                          <a:spcPts val="0"/>
+                        </a:spcAft>
+                        <a:buNone/>
+                      </a:pPr>
+                      <a:r>
+                        <a:rPr lang="vi-VN" sz="1800" u="none" strike="noStrike" cap="none">
+                          <a:solidFill>
+                            <a:schemeClr val="tx1">
+                              <a:lumMod val="85000"/>
+                              <a:lumOff val="15000"/>
+                            </a:schemeClr>
+                          </a:solidFill>
+                          <a:latin typeface="Roboto" panose="02000000000000000000" pitchFamily="2" charset="0"/>
+                          <a:ea typeface="Roboto" panose="02000000000000000000" pitchFamily="2" charset="0"/>
+                          <a:cs typeface="Roboto"/>
+                          <a:sym typeface="Roboto"/>
+                        </a:rPr>
+                        <a:t>20049891</a:t>
+                      </a:r>
+                      <a:endParaRPr sz="1800">
+                        <a:solidFill>
+                          <a:schemeClr val="tx1">
+                            <a:lumMod val="85000"/>
+                            <a:lumOff val="15000"/>
+                          </a:schemeClr>
+                        </a:solidFill>
+                        <a:latin typeface="Roboto" panose="02000000000000000000" pitchFamily="2" charset="0"/>
+                        <a:ea typeface="Roboto" panose="02000000000000000000" pitchFamily="2" charset="0"/>
+                      </a:endParaRPr>
+                    </a:p>
+                  </a:txBody>
+                  <a:tcPr marL="68575" marR="68575" marT="0" marB="0" anchor="ctr">
+                    <a:lnL w="12700" cap="flat" cmpd="sng">
+                      <a:solidFill>
+                        <a:srgbClr val="000000"/>
+                      </a:solidFill>
+                      <a:prstDash val="solid"/>
+                      <a:round/>
+                      <a:headEnd type="none" w="sm" len="sm"/>
+                      <a:tailEnd type="none" w="sm" len="sm"/>
+                    </a:lnL>
+                    <a:lnR w="12700" cap="flat" cmpd="sng">
+                      <a:solidFill>
+                        <a:srgbClr val="000000"/>
+                      </a:solidFill>
+                      <a:prstDash val="solid"/>
+                      <a:round/>
+                      <a:headEnd type="none" w="sm" len="sm"/>
+                      <a:tailEnd type="none" w="sm" len="sm"/>
+                    </a:lnR>
+                    <a:lnT w="12700" cap="flat" cmpd="sng">
+                      <a:solidFill>
+                        <a:srgbClr val="000000"/>
+                      </a:solidFill>
+                      <a:prstDash val="solid"/>
+                      <a:round/>
+                      <a:headEnd type="none" w="sm" len="sm"/>
+                      <a:tailEnd type="none" w="sm" len="sm"/>
+                    </a:lnT>
+                    <a:lnB w="12700" cap="flat" cmpd="sng">
+                      <a:solidFill>
+                        <a:srgbClr val="000000"/>
+                      </a:solidFill>
+                      <a:prstDash val="solid"/>
+                      <a:round/>
+                      <a:headEnd type="none" w="sm" len="sm"/>
+                      <a:tailEnd type="none" w="sm" len="sm"/>
+                    </a:lnB>
+                  </a:tcPr>
+                </a:tc>
+                <a:tc>
+                  <a:txBody>
+                    <a:bodyPr/>
+                    <a:lstStyle/>
+                    <a:p>
+                      <a:pPr marL="0" marR="0" lvl="0" indent="0" algn="l" rtl="0">
+                        <a:lnSpc>
+                          <a:spcPct val="107000"/>
+                        </a:lnSpc>
+                        <a:spcBef>
+                          <a:spcPts val="0"/>
+                        </a:spcBef>
+                        <a:spcAft>
+                          <a:spcPts val="0"/>
+                        </a:spcAft>
+                        <a:buNone/>
+                      </a:pPr>
+                      <a:r>
+                        <a:rPr lang="vi-VN" sz="1800" u="none" strike="noStrike" cap="none">
+                          <a:solidFill>
+                            <a:schemeClr val="tx1">
+                              <a:lumMod val="85000"/>
+                              <a:lumOff val="15000"/>
+                            </a:schemeClr>
+                          </a:solidFill>
+                          <a:latin typeface="Roboto" panose="02000000000000000000" pitchFamily="2" charset="0"/>
+                          <a:ea typeface="Roboto" panose="02000000000000000000" pitchFamily="2" charset="0"/>
+                          <a:cs typeface="Roboto"/>
+                          <a:sym typeface="Roboto"/>
+                        </a:rPr>
+                        <a:t>Nguyễn Văn Sơn</a:t>
+                      </a:r>
+                      <a:endParaRPr sz="1800">
+                        <a:solidFill>
+                          <a:schemeClr val="tx1">
+                            <a:lumMod val="85000"/>
+                            <a:lumOff val="15000"/>
+                          </a:schemeClr>
+                        </a:solidFill>
+                        <a:latin typeface="Roboto" panose="02000000000000000000" pitchFamily="2" charset="0"/>
+                        <a:ea typeface="Roboto" panose="02000000000000000000" pitchFamily="2" charset="0"/>
+                      </a:endParaRPr>
+                    </a:p>
+                  </a:txBody>
+                  <a:tcPr marL="68575" marR="68575" marT="0" marB="0" anchor="ctr">
+                    <a:lnL w="12700" cap="flat" cmpd="sng">
+                      <a:solidFill>
+                        <a:srgbClr val="000000"/>
+                      </a:solidFill>
+                      <a:prstDash val="solid"/>
+                      <a:round/>
+                      <a:headEnd type="none" w="sm" len="sm"/>
+                      <a:tailEnd type="none" w="sm" len="sm"/>
+                    </a:lnL>
+                    <a:lnR w="12700" cap="flat" cmpd="sng">
+                      <a:solidFill>
+                        <a:srgbClr val="000000"/>
+                      </a:solidFill>
+                      <a:prstDash val="solid"/>
+                      <a:round/>
+                      <a:headEnd type="none" w="sm" len="sm"/>
+                      <a:tailEnd type="none" w="sm" len="sm"/>
+                    </a:lnR>
+                    <a:lnT w="12700" cap="flat" cmpd="sng">
+                      <a:solidFill>
+                        <a:srgbClr val="000000"/>
+                      </a:solidFill>
+                      <a:prstDash val="solid"/>
+                      <a:round/>
+                      <a:headEnd type="none" w="sm" len="sm"/>
+                      <a:tailEnd type="none" w="sm" len="sm"/>
+                    </a:lnT>
+                    <a:lnB w="12700" cap="flat" cmpd="sng">
+                      <a:solidFill>
+                        <a:srgbClr val="000000"/>
+                      </a:solidFill>
+                      <a:prstDash val="solid"/>
+                      <a:round/>
+                      <a:headEnd type="none" w="sm" len="sm"/>
+                      <a:tailEnd type="none" w="sm" len="sm"/>
+                    </a:lnB>
+                  </a:tcPr>
+                </a:tc>
+                <a:tc>
+                  <a:txBody>
+                    <a:bodyPr/>
+                    <a:lstStyle/>
+                    <a:p>
+                      <a:pPr marL="0" marR="0" lvl="0" indent="0" algn="l" rtl="0">
+                        <a:spcBef>
+                          <a:spcPts val="0"/>
+                        </a:spcBef>
+                        <a:spcAft>
+                          <a:spcPts val="0"/>
+                        </a:spcAft>
+                        <a:buNone/>
+                      </a:pPr>
+                      <a:r>
+                        <a:rPr lang="vi-VN" sz="1800">
+                          <a:solidFill>
+                            <a:schemeClr val="tx1">
+                              <a:lumMod val="85000"/>
+                              <a:lumOff val="15000"/>
+                            </a:schemeClr>
+                          </a:solidFill>
+                          <a:latin typeface="Roboto" panose="02000000000000000000" pitchFamily="2" charset="0"/>
+                          <a:ea typeface="Roboto" panose="02000000000000000000" pitchFamily="2" charset="0"/>
+                          <a:cs typeface="Roboto"/>
+                          <a:sym typeface="Roboto"/>
+                        </a:rPr>
+                        <a:t>Powerpoint.</a:t>
+                      </a:r>
+                      <a:endParaRPr lang="vi-VN" sz="1800" u="none" strike="noStrike" cap="none">
+                        <a:solidFill>
+                          <a:schemeClr val="tx1">
+                            <a:lumMod val="85000"/>
+                            <a:lumOff val="15000"/>
+                          </a:schemeClr>
+                        </a:solidFill>
+                        <a:latin typeface="Roboto" panose="02000000000000000000" pitchFamily="2" charset="0"/>
+                        <a:ea typeface="Roboto" panose="02000000000000000000" pitchFamily="2" charset="0"/>
+                        <a:cs typeface="Roboto"/>
+                        <a:sym typeface="Roboto"/>
+                      </a:endParaRPr>
+                    </a:p>
+                    <a:p>
+                      <a:pPr marL="0" marR="0" lvl="0" indent="0" algn="l" rtl="0">
+                        <a:spcBef>
+                          <a:spcPts val="0"/>
+                        </a:spcBef>
+                        <a:spcAft>
+                          <a:spcPts val="0"/>
+                        </a:spcAft>
+                        <a:buNone/>
+                      </a:pPr>
+                      <a:r>
+                        <a:rPr lang="vi-VN" sz="1800" u="none" strike="noStrike" cap="none">
+                          <a:solidFill>
+                            <a:schemeClr val="tx1">
+                              <a:lumMod val="85000"/>
+                              <a:lumOff val="15000"/>
+                            </a:schemeClr>
+                          </a:solidFill>
+                          <a:latin typeface="Roboto" panose="02000000000000000000" pitchFamily="2" charset="0"/>
+                          <a:ea typeface="Roboto" panose="02000000000000000000" pitchFamily="2" charset="0"/>
+                          <a:cs typeface="Roboto"/>
+                          <a:sym typeface="Roboto"/>
+                        </a:rPr>
+                        <a:t>Backend.</a:t>
+                      </a:r>
+                      <a:endParaRPr sz="1800">
+                        <a:solidFill>
+                          <a:schemeClr val="tx1">
+                            <a:lumMod val="85000"/>
+                            <a:lumOff val="15000"/>
+                          </a:schemeClr>
+                        </a:solidFill>
+                        <a:latin typeface="Roboto" panose="02000000000000000000" pitchFamily="2" charset="0"/>
+                        <a:ea typeface="Roboto" panose="02000000000000000000" pitchFamily="2" charset="0"/>
+                      </a:endParaRPr>
+                    </a:p>
+                  </a:txBody>
+                  <a:tcPr marL="91450" marR="91450" marT="45725" marB="45725">
+                    <a:lnL w="12700" cap="flat" cmpd="sng">
+                      <a:solidFill>
+                        <a:srgbClr val="000000"/>
+                      </a:solidFill>
+                      <a:prstDash val="solid"/>
+                      <a:round/>
+                      <a:headEnd type="none" w="sm" len="sm"/>
+                      <a:tailEnd type="none" w="sm" len="sm"/>
+                    </a:lnL>
+                    <a:lnR w="12700" cap="flat" cmpd="sng">
+                      <a:solidFill>
+                        <a:srgbClr val="000000"/>
+                      </a:solidFill>
+                      <a:prstDash val="solid"/>
+                      <a:round/>
+                      <a:headEnd type="none" w="sm" len="sm"/>
+                      <a:tailEnd type="none" w="sm" len="sm"/>
+                    </a:lnR>
+                    <a:lnT w="12700" cap="flat" cmpd="sng">
+                      <a:solidFill>
+                        <a:srgbClr val="000000"/>
+                      </a:solidFill>
+                      <a:prstDash val="solid"/>
+                      <a:round/>
+                      <a:headEnd type="none" w="sm" len="sm"/>
+                      <a:tailEnd type="none" w="sm" len="sm"/>
+                    </a:lnT>
+                    <a:lnB w="12700" cap="flat" cmpd="sng">
+                      <a:solidFill>
+                        <a:srgbClr val="000000"/>
+                      </a:solidFill>
+                      <a:prstDash val="solid"/>
+                      <a:round/>
+                      <a:headEnd type="none" w="sm" len="sm"/>
+                      <a:tailEnd type="none" w="sm" len="sm"/>
+                    </a:lnB>
+                  </a:tcPr>
+                </a:tc>
+                <a:extLst>
+                  <a:ext uri="{0D108BD9-81ED-4DB2-BD59-A6C34878D82A}">
+                    <a16:rowId xmlns:a16="http://schemas.microsoft.com/office/drawing/2014/main" val="10001"/>
+                  </a:ext>
+                </a:extLst>
+              </a:tr>
+              <a:tr h="530350">
+                <a:tc>
+                  <a:txBody>
+                    <a:bodyPr/>
+                    <a:lstStyle/>
+                    <a:p>
+                      <a:pPr marL="0" marR="0" lvl="0" indent="0" algn="ctr" rtl="0">
+                        <a:lnSpc>
+                          <a:spcPct val="107000"/>
+                        </a:lnSpc>
+                        <a:spcBef>
+                          <a:spcPts val="0"/>
+                        </a:spcBef>
+                        <a:spcAft>
+                          <a:spcPts val="0"/>
+                        </a:spcAft>
+                        <a:buNone/>
+                      </a:pPr>
+                      <a:r>
+                        <a:rPr lang="vi-VN" sz="1800">
+                          <a:solidFill>
+                            <a:schemeClr val="tx1">
+                              <a:lumMod val="85000"/>
+                              <a:lumOff val="15000"/>
+                            </a:schemeClr>
+                          </a:solidFill>
+                          <a:latin typeface="Roboto" panose="02000000000000000000" pitchFamily="2" charset="0"/>
+                          <a:ea typeface="Roboto" panose="02000000000000000000" pitchFamily="2" charset="0"/>
+                          <a:cs typeface="Roboto"/>
+                          <a:sym typeface="Roboto"/>
+                        </a:rPr>
+                        <a:t>20047071</a:t>
+                      </a:r>
+                      <a:endParaRPr sz="1800">
+                        <a:solidFill>
+                          <a:schemeClr val="tx1">
+                            <a:lumMod val="85000"/>
+                            <a:lumOff val="15000"/>
+                          </a:schemeClr>
+                        </a:solidFill>
+                        <a:latin typeface="Roboto" panose="02000000000000000000" pitchFamily="2" charset="0"/>
+                        <a:ea typeface="Roboto" panose="02000000000000000000" pitchFamily="2" charset="0"/>
+                      </a:endParaRPr>
+                    </a:p>
+                  </a:txBody>
+                  <a:tcPr marL="68575" marR="68575" marT="0" marB="0" anchor="ctr">
+                    <a:lnL w="12700" cap="flat" cmpd="sng">
+                      <a:solidFill>
+                        <a:srgbClr val="000000"/>
+                      </a:solidFill>
+                      <a:prstDash val="solid"/>
+                      <a:round/>
+                      <a:headEnd type="none" w="sm" len="sm"/>
+                      <a:tailEnd type="none" w="sm" len="sm"/>
+                    </a:lnL>
+                    <a:lnR w="12700" cap="flat" cmpd="sng" algn="ctr">
+                      <a:solidFill>
+                        <a:srgbClr val="000000"/>
+                      </a:solidFill>
+                      <a:prstDash val="solid"/>
+                      <a:round/>
+                      <a:headEnd type="none" w="sm" len="sm"/>
+                      <a:tailEnd type="none" w="sm" len="sm"/>
+                    </a:lnR>
+                    <a:lnT w="12700" cap="flat" cmpd="sng" algn="ctr">
+                      <a:solidFill>
+                        <a:srgbClr val="000000"/>
+                      </a:solidFill>
+                      <a:prstDash val="solid"/>
+                      <a:round/>
+                      <a:headEnd type="none" w="sm" len="sm"/>
+                      <a:tailEnd type="none" w="sm" len="sm"/>
+                    </a:lnT>
+                    <a:lnB w="12700" cap="flat" cmpd="sng">
+                      <a:solidFill>
+                        <a:srgbClr val="000000"/>
+                      </a:solidFill>
+                      <a:prstDash val="solid"/>
+                      <a:round/>
+                      <a:headEnd type="none" w="sm" len="sm"/>
+                      <a:tailEnd type="none" w="sm" len="sm"/>
+                    </a:lnB>
+                  </a:tcPr>
+                </a:tc>
+                <a:tc>
+                  <a:txBody>
+                    <a:bodyPr/>
+                    <a:lstStyle/>
+                    <a:p>
+                      <a:pPr marL="0" marR="0" lvl="0" indent="0" algn="l" rtl="0">
+                        <a:lnSpc>
+                          <a:spcPct val="107000"/>
+                        </a:lnSpc>
+                        <a:spcBef>
+                          <a:spcPts val="0"/>
+                        </a:spcBef>
+                        <a:spcAft>
+                          <a:spcPts val="0"/>
+                        </a:spcAft>
+                        <a:buNone/>
+                      </a:pPr>
+                      <a:r>
+                        <a:rPr lang="vi-VN" sz="1800">
+                          <a:solidFill>
+                            <a:schemeClr val="tx1">
+                              <a:lumMod val="85000"/>
+                              <a:lumOff val="15000"/>
+                            </a:schemeClr>
+                          </a:solidFill>
+                          <a:latin typeface="Roboto" panose="02000000000000000000" pitchFamily="2" charset="0"/>
+                          <a:ea typeface="Roboto" panose="02000000000000000000" pitchFamily="2" charset="0"/>
+                          <a:cs typeface="Roboto"/>
+                          <a:sym typeface="Roboto"/>
+                        </a:rPr>
+                        <a:t>Trần Thiện Đạt</a:t>
+                      </a:r>
+                      <a:endParaRPr sz="1800">
+                        <a:solidFill>
+                          <a:schemeClr val="tx1">
+                            <a:lumMod val="85000"/>
+                            <a:lumOff val="15000"/>
+                          </a:schemeClr>
+                        </a:solidFill>
+                        <a:latin typeface="Roboto" panose="02000000000000000000" pitchFamily="2" charset="0"/>
+                        <a:ea typeface="Roboto" panose="02000000000000000000" pitchFamily="2" charset="0"/>
+                      </a:endParaRPr>
+                    </a:p>
+                  </a:txBody>
+                  <a:tcPr marL="68575" marR="68575" marT="0" marB="0" anchor="ctr">
+                    <a:lnL w="12700" cap="flat" cmpd="sng" algn="ctr">
+                      <a:solidFill>
+                        <a:srgbClr val="000000"/>
+                      </a:solidFill>
+                      <a:prstDash val="solid"/>
+                      <a:round/>
+                      <a:headEnd type="none" w="sm" len="sm"/>
+                      <a:tailEnd type="none" w="sm" len="sm"/>
+                    </a:lnL>
+                    <a:lnR w="12700" cap="flat" cmpd="sng" algn="ctr">
+                      <a:solidFill>
+                        <a:srgbClr val="000000"/>
+                      </a:solidFill>
+                      <a:prstDash val="solid"/>
+                      <a:round/>
+                      <a:headEnd type="none" w="sm" len="sm"/>
+                      <a:tailEnd type="none" w="sm" len="sm"/>
+                    </a:lnR>
+                    <a:lnT w="12700" cap="flat" cmpd="sng" algn="ctr">
+                      <a:solidFill>
+                        <a:srgbClr val="000000"/>
+                      </a:solidFill>
+                      <a:prstDash val="solid"/>
+                      <a:round/>
+                      <a:headEnd type="none" w="sm" len="sm"/>
+                      <a:tailEnd type="none" w="sm" len="sm"/>
+                    </a:lnT>
+                    <a:lnB w="12700" cap="flat" cmpd="sng">
+                      <a:solidFill>
+                        <a:srgbClr val="000000"/>
+                      </a:solidFill>
+                      <a:prstDash val="solid"/>
+                      <a:round/>
+                      <a:headEnd type="none" w="sm" len="sm"/>
+                      <a:tailEnd type="none" w="sm" len="sm"/>
+                    </a:lnB>
+                  </a:tcPr>
+                </a:tc>
+                <a:tc>
+                  <a:txBody>
+                    <a:bodyPr/>
+                    <a:lstStyle/>
+                    <a:p>
+                      <a:pPr marL="0" marR="0" lvl="0" indent="0" algn="l" rtl="0">
+                        <a:lnSpc>
+                          <a:spcPct val="100000"/>
+                        </a:lnSpc>
+                        <a:spcBef>
+                          <a:spcPts val="0"/>
+                        </a:spcBef>
+                        <a:spcAft>
+                          <a:spcPts val="0"/>
+                        </a:spcAft>
+                        <a:buClr>
+                          <a:srgbClr val="7F7F7F"/>
+                        </a:buClr>
+                        <a:buSzPts val="1400"/>
+                        <a:buFont typeface="Roboto"/>
+                        <a:buNone/>
+                      </a:pPr>
+                      <a:r>
+                        <a:rPr lang="vi-VN" sz="1800">
+                          <a:solidFill>
+                            <a:schemeClr val="tx1">
+                              <a:lumMod val="85000"/>
+                              <a:lumOff val="15000"/>
+                            </a:schemeClr>
+                          </a:solidFill>
+                          <a:latin typeface="Roboto" panose="02000000000000000000" pitchFamily="2" charset="0"/>
+                          <a:ea typeface="Roboto" panose="02000000000000000000" pitchFamily="2" charset="0"/>
+                          <a:cs typeface="Roboto"/>
+                          <a:sym typeface="Roboto"/>
+                        </a:rPr>
+                        <a:t>Front end giáo vụ:</a:t>
+                      </a:r>
+                    </a:p>
+                    <a:p>
+                      <a:pPr marL="0" marR="0" lvl="0" indent="0" algn="l" rtl="0">
+                        <a:lnSpc>
+                          <a:spcPct val="100000"/>
+                        </a:lnSpc>
+                        <a:spcBef>
+                          <a:spcPts val="0"/>
+                        </a:spcBef>
+                        <a:spcAft>
+                          <a:spcPts val="0"/>
+                        </a:spcAft>
+                        <a:buClr>
+                          <a:srgbClr val="7F7F7F"/>
+                        </a:buClr>
+                        <a:buSzPts val="1400"/>
+                        <a:buFont typeface="Roboto"/>
+                        <a:buNone/>
+                      </a:pPr>
+                      <a:r>
+                        <a:rPr lang="vi-VN" sz="1800">
+                          <a:solidFill>
+                            <a:schemeClr val="tx1">
+                              <a:lumMod val="85000"/>
+                              <a:lumOff val="15000"/>
+                            </a:schemeClr>
+                          </a:solidFill>
+                          <a:latin typeface="Roboto" panose="02000000000000000000" pitchFamily="2" charset="0"/>
+                          <a:ea typeface="Roboto" panose="02000000000000000000" pitchFamily="2" charset="0"/>
+                          <a:cs typeface="Roboto"/>
+                          <a:sym typeface="Roboto"/>
+                        </a:rPr>
+                        <a:t>-  …</a:t>
+                      </a:r>
+                    </a:p>
+                  </a:txBody>
+                  <a:tcPr marL="91450" marR="91450" marT="45725" marB="45725">
+                    <a:lnL w="12700" cap="flat" cmpd="sng" algn="ctr">
+                      <a:solidFill>
+                        <a:srgbClr val="000000"/>
+                      </a:solidFill>
+                      <a:prstDash val="solid"/>
+                      <a:round/>
+                      <a:headEnd type="none" w="sm" len="sm"/>
+                      <a:tailEnd type="none" w="sm" len="sm"/>
+                    </a:lnL>
+                    <a:lnR w="12700" cap="flat" cmpd="sng" algn="ctr">
+                      <a:solidFill>
+                        <a:srgbClr val="000000"/>
+                      </a:solidFill>
+                      <a:prstDash val="solid"/>
+                      <a:round/>
+                      <a:headEnd type="none" w="sm" len="sm"/>
+                      <a:tailEnd type="none" w="sm" len="sm"/>
+                    </a:lnR>
+                    <a:lnT w="12700" cap="flat" cmpd="sng" algn="ctr">
+                      <a:solidFill>
+                        <a:srgbClr val="000000"/>
+                      </a:solidFill>
+                      <a:prstDash val="solid"/>
+                      <a:round/>
+                      <a:headEnd type="none" w="sm" len="sm"/>
+                      <a:tailEnd type="none" w="sm" len="sm"/>
+                    </a:lnT>
+                    <a:lnB w="12700" cap="flat" cmpd="sng">
+                      <a:solidFill>
+                        <a:srgbClr val="000000"/>
+                      </a:solidFill>
+                      <a:prstDash val="solid"/>
+                      <a:round/>
+                      <a:headEnd type="none" w="sm" len="sm"/>
+                      <a:tailEnd type="none" w="sm" len="sm"/>
+                    </a:lnB>
+                  </a:tcPr>
+                </a:tc>
+                <a:extLst>
+                  <a:ext uri="{0D108BD9-81ED-4DB2-BD59-A6C34878D82A}">
+                    <a16:rowId xmlns:a16="http://schemas.microsoft.com/office/drawing/2014/main" val="10003"/>
+                  </a:ext>
+                </a:extLst>
+              </a:tr>
+              <a:tr h="539500">
+                <a:tc>
+                  <a:txBody>
+                    <a:bodyPr/>
+                    <a:lstStyle/>
+                    <a:p>
+                      <a:pPr marL="0" marR="0" lvl="0" indent="0" algn="ctr" rtl="0">
+                        <a:lnSpc>
+                          <a:spcPct val="107000"/>
+                        </a:lnSpc>
+                        <a:spcBef>
+                          <a:spcPts val="0"/>
+                        </a:spcBef>
+                        <a:spcAft>
+                          <a:spcPts val="0"/>
+                        </a:spcAft>
+                        <a:buNone/>
+                      </a:pPr>
+                      <a:r>
+                        <a:rPr lang="vi-VN" sz="1800">
+                          <a:solidFill>
+                            <a:schemeClr val="tx1">
+                              <a:lumMod val="85000"/>
+                              <a:lumOff val="15000"/>
+                            </a:schemeClr>
+                          </a:solidFill>
+                          <a:latin typeface="Roboto" panose="02000000000000000000" pitchFamily="2" charset="0"/>
+                          <a:ea typeface="Roboto" panose="02000000000000000000" pitchFamily="2" charset="0"/>
+                          <a:cs typeface="Roboto"/>
+                          <a:sym typeface="Roboto"/>
+                        </a:rPr>
+                        <a:t>20046761</a:t>
+                      </a:r>
+                      <a:endParaRPr sz="1800">
+                        <a:solidFill>
+                          <a:schemeClr val="tx1">
+                            <a:lumMod val="85000"/>
+                            <a:lumOff val="15000"/>
+                          </a:schemeClr>
+                        </a:solidFill>
+                        <a:latin typeface="Roboto" panose="02000000000000000000" pitchFamily="2" charset="0"/>
+                        <a:ea typeface="Roboto" panose="02000000000000000000" pitchFamily="2" charset="0"/>
+                      </a:endParaRPr>
+                    </a:p>
+                  </a:txBody>
+                  <a:tcPr marL="68575" marR="68575" marT="0" marB="0" anchor="ctr">
+                    <a:lnL w="12700" cap="flat" cmpd="sng">
+                      <a:solidFill>
+                        <a:srgbClr val="000000"/>
+                      </a:solidFill>
+                      <a:prstDash val="solid"/>
+                      <a:round/>
+                      <a:headEnd type="none" w="sm" len="sm"/>
+                      <a:tailEnd type="none" w="sm" len="sm"/>
+                    </a:lnL>
+                    <a:lnR w="12700" cap="flat" cmpd="sng">
+                      <a:solidFill>
+                        <a:srgbClr val="000000"/>
+                      </a:solidFill>
+                      <a:prstDash val="solid"/>
+                      <a:round/>
+                      <a:headEnd type="none" w="sm" len="sm"/>
+                      <a:tailEnd type="none" w="sm" len="sm"/>
+                    </a:lnR>
+                    <a:lnT w="12700" cap="flat" cmpd="sng">
+                      <a:solidFill>
+                        <a:srgbClr val="000000"/>
+                      </a:solidFill>
+                      <a:prstDash val="solid"/>
+                      <a:round/>
+                      <a:headEnd type="none" w="sm" len="sm"/>
+                      <a:tailEnd type="none" w="sm" len="sm"/>
+                    </a:lnT>
+                    <a:lnB w="12700" cap="flat" cmpd="sng">
+                      <a:solidFill>
+                        <a:srgbClr val="000000"/>
+                      </a:solidFill>
+                      <a:prstDash val="solid"/>
+                      <a:round/>
+                      <a:headEnd type="none" w="sm" len="sm"/>
+                      <a:tailEnd type="none" w="sm" len="sm"/>
+                    </a:lnB>
+                  </a:tcPr>
+                </a:tc>
+                <a:tc>
+                  <a:txBody>
+                    <a:bodyPr/>
+                    <a:lstStyle/>
+                    <a:p>
+                      <a:pPr marL="0" marR="0" lvl="0" indent="0" algn="l" rtl="0">
+                        <a:lnSpc>
+                          <a:spcPct val="107000"/>
+                        </a:lnSpc>
+                        <a:spcBef>
+                          <a:spcPts val="0"/>
+                        </a:spcBef>
+                        <a:spcAft>
+                          <a:spcPts val="0"/>
+                        </a:spcAft>
+                        <a:buNone/>
+                      </a:pPr>
+                      <a:r>
+                        <a:rPr lang="vi-VN" sz="1800">
+                          <a:solidFill>
+                            <a:schemeClr val="tx1">
+                              <a:lumMod val="85000"/>
+                              <a:lumOff val="15000"/>
+                            </a:schemeClr>
+                          </a:solidFill>
+                          <a:latin typeface="Roboto" panose="02000000000000000000" pitchFamily="2" charset="0"/>
+                          <a:ea typeface="Roboto" panose="02000000000000000000" pitchFamily="2" charset="0"/>
+                          <a:cs typeface="Roboto"/>
+                          <a:sym typeface="Roboto"/>
+                        </a:rPr>
+                        <a:t>Tô Hiếu Đông</a:t>
+                      </a:r>
+                      <a:endParaRPr sz="1800">
+                        <a:solidFill>
+                          <a:schemeClr val="tx1">
+                            <a:lumMod val="85000"/>
+                            <a:lumOff val="15000"/>
+                          </a:schemeClr>
+                        </a:solidFill>
+                        <a:latin typeface="Roboto" panose="02000000000000000000" pitchFamily="2" charset="0"/>
+                        <a:ea typeface="Roboto" panose="02000000000000000000" pitchFamily="2" charset="0"/>
+                      </a:endParaRPr>
+                    </a:p>
+                  </a:txBody>
+                  <a:tcPr marL="68575" marR="68575" marT="0" marB="0" anchor="ctr">
+                    <a:lnL w="12700" cap="flat" cmpd="sng">
+                      <a:solidFill>
+                        <a:srgbClr val="000000"/>
+                      </a:solidFill>
+                      <a:prstDash val="solid"/>
+                      <a:round/>
+                      <a:headEnd type="none" w="sm" len="sm"/>
+                      <a:tailEnd type="none" w="sm" len="sm"/>
+                    </a:lnL>
+                    <a:lnR w="12700" cap="flat" cmpd="sng">
+                      <a:solidFill>
+                        <a:srgbClr val="000000"/>
+                      </a:solidFill>
+                      <a:prstDash val="solid"/>
+                      <a:round/>
+                      <a:headEnd type="none" w="sm" len="sm"/>
+                      <a:tailEnd type="none" w="sm" len="sm"/>
+                    </a:lnR>
+                    <a:lnT w="12700" cap="flat" cmpd="sng">
+                      <a:solidFill>
+                        <a:srgbClr val="000000"/>
+                      </a:solidFill>
+                      <a:prstDash val="solid"/>
+                      <a:round/>
+                      <a:headEnd type="none" w="sm" len="sm"/>
+                      <a:tailEnd type="none" w="sm" len="sm"/>
+                    </a:lnT>
+                    <a:lnB w="12700" cap="flat" cmpd="sng">
+                      <a:solidFill>
+                        <a:srgbClr val="000000"/>
+                      </a:solidFill>
+                      <a:prstDash val="solid"/>
+                      <a:round/>
+                      <a:headEnd type="none" w="sm" len="sm"/>
+                      <a:tailEnd type="none" w="sm" len="sm"/>
+                    </a:lnB>
+                  </a:tcPr>
+                </a:tc>
+                <a:tc>
+                  <a:txBody>
+                    <a:bodyPr/>
+                    <a:lstStyle/>
+                    <a:p>
+                      <a:pPr marL="0" marR="0" lvl="0" indent="0" algn="l" defTabSz="914400" rtl="0" eaLnBrk="1" fontAlgn="auto" latinLnBrk="0" hangingPunct="1">
+                        <a:lnSpc>
+                          <a:spcPct val="100000"/>
+                        </a:lnSpc>
+                        <a:spcBef>
+                          <a:spcPts val="0"/>
+                        </a:spcBef>
+                        <a:spcAft>
+                          <a:spcPts val="0"/>
+                        </a:spcAft>
+                        <a:buClr>
+                          <a:srgbClr val="7F7F7F"/>
+                        </a:buClr>
+                        <a:buSzPts val="1400"/>
+                        <a:buFont typeface="Roboto"/>
+                        <a:buNone/>
+                        <a:tabLst/>
+                        <a:defRPr/>
+                      </a:pPr>
+                      <a:r>
+                        <a:rPr lang="vi-VN" sz="1800">
+                          <a:solidFill>
+                            <a:schemeClr val="tx1">
+                              <a:lumMod val="85000"/>
+                              <a:lumOff val="15000"/>
+                            </a:schemeClr>
+                          </a:solidFill>
+                          <a:latin typeface="Roboto" panose="02000000000000000000" pitchFamily="2" charset="0"/>
+                          <a:ea typeface="Roboto" panose="02000000000000000000" pitchFamily="2" charset="0"/>
+                          <a:cs typeface="Roboto"/>
+                          <a:sym typeface="Roboto"/>
+                        </a:rPr>
+                        <a:t>Front end sinh viên:</a:t>
+                      </a:r>
+                    </a:p>
+                    <a:p>
+                      <a:pPr marL="0" marR="0" lvl="0" indent="0" algn="l" defTabSz="914400" rtl="0" eaLnBrk="1" fontAlgn="auto" latinLnBrk="0" hangingPunct="1">
+                        <a:lnSpc>
+                          <a:spcPct val="100000"/>
+                        </a:lnSpc>
+                        <a:spcBef>
+                          <a:spcPts val="0"/>
+                        </a:spcBef>
+                        <a:spcAft>
+                          <a:spcPts val="0"/>
+                        </a:spcAft>
+                        <a:buClr>
+                          <a:srgbClr val="7F7F7F"/>
+                        </a:buClr>
+                        <a:buSzPts val="1400"/>
+                        <a:buFont typeface="Roboto"/>
+                        <a:buNone/>
+                        <a:tabLst/>
+                        <a:defRPr/>
+                      </a:pPr>
+                      <a:r>
+                        <a:rPr lang="vi-VN" sz="1800">
+                          <a:solidFill>
+                            <a:schemeClr val="tx1">
+                              <a:lumMod val="85000"/>
+                              <a:lumOff val="15000"/>
+                            </a:schemeClr>
+                          </a:solidFill>
+                          <a:latin typeface="Roboto" panose="02000000000000000000" pitchFamily="2" charset="0"/>
+                          <a:ea typeface="Roboto" panose="02000000000000000000" pitchFamily="2" charset="0"/>
+                          <a:sym typeface="Roboto"/>
+                        </a:rPr>
+                        <a:t>-  …</a:t>
+                      </a:r>
+                      <a:endParaRPr sz="1800">
+                        <a:solidFill>
+                          <a:schemeClr val="tx1">
+                            <a:lumMod val="85000"/>
+                            <a:lumOff val="15000"/>
+                          </a:schemeClr>
+                        </a:solidFill>
+                        <a:latin typeface="Roboto" panose="02000000000000000000" pitchFamily="2" charset="0"/>
+                        <a:ea typeface="Roboto" panose="02000000000000000000" pitchFamily="2" charset="0"/>
+                      </a:endParaRPr>
+                    </a:p>
+                  </a:txBody>
+                  <a:tcPr marL="91450" marR="91450" marT="45725" marB="45725">
+                    <a:lnL w="12700" cap="flat" cmpd="sng">
+                      <a:solidFill>
+                        <a:srgbClr val="000000"/>
+                      </a:solidFill>
+                      <a:prstDash val="solid"/>
+                      <a:round/>
+                      <a:headEnd type="none" w="sm" len="sm"/>
+                      <a:tailEnd type="none" w="sm" len="sm"/>
+                    </a:lnL>
+                    <a:lnR w="12700" cap="flat" cmpd="sng">
+                      <a:solidFill>
+                        <a:srgbClr val="000000"/>
+                      </a:solidFill>
+                      <a:prstDash val="solid"/>
+                      <a:round/>
+                      <a:headEnd type="none" w="sm" len="sm"/>
+                      <a:tailEnd type="none" w="sm" len="sm"/>
+                    </a:lnR>
+                    <a:lnT w="12700" cap="flat" cmpd="sng">
+                      <a:solidFill>
+                        <a:srgbClr val="000000"/>
+                      </a:solidFill>
+                      <a:prstDash val="solid"/>
+                      <a:round/>
+                      <a:headEnd type="none" w="sm" len="sm"/>
+                      <a:tailEnd type="none" w="sm" len="sm"/>
+                    </a:lnT>
+                    <a:lnB w="12700" cap="flat" cmpd="sng">
+                      <a:solidFill>
+                        <a:srgbClr val="000000"/>
+                      </a:solidFill>
+                      <a:prstDash val="solid"/>
+                      <a:round/>
+                      <a:headEnd type="none" w="sm" len="sm"/>
+                      <a:tailEnd type="none" w="sm" len="sm"/>
+                    </a:lnB>
+                  </a:tcPr>
+                </a:tc>
+                <a:extLst>
+                  <a:ext uri="{0D108BD9-81ED-4DB2-BD59-A6C34878D82A}">
+                    <a16:rowId xmlns:a16="http://schemas.microsoft.com/office/drawing/2014/main" val="10004"/>
+                  </a:ext>
+                </a:extLst>
+              </a:tr>
+            </a:tbl>
+          </a:graphicData>
+        </a:graphic>
+      </p:graphicFrame>
+    </p:spTree>
+  </p:cSld>
+  <p:clrMapOvr>
+    <a:masterClrMapping/>
+  </p:clrMapOvr>
+</p:sld>
+</file>
+
+<file path=ppt/slides/slide11.xml><?xml version="1.0" encoding="utf-8"?>
+<p:sld xmlns:a="http://schemas.openxmlformats.org/drawingml/2006/main" xmlns:r="http://schemas.openxmlformats.org/officeDocument/2006/relationships" xmlns:p="http://schemas.openxmlformats.org/presentationml/2006/main">
+  <p:cSld>
+    <p:spTree>
+      <p:nvGrpSpPr>
+        <p:cNvPr id="1" name="Shape 208"/>
+        <p:cNvGrpSpPr/>
+        <p:nvPr/>
+      </p:nvGrpSpPr>
+      <p:grpSpPr>
+        <a:xfrm>
+          <a:off x="0" y="0"/>
+          <a:ext cx="0" cy="0"/>
+          <a:chOff x="0" y="0"/>
+          <a:chExt cx="0" cy="0"/>
+        </a:xfrm>
+      </p:grpSpPr>
+      <p:pic>
+        <p:nvPicPr>
+          <p:cNvPr id="209" name="Google Shape;209;p7" descr="Xem ngay: Hình ảnh cảm ơn thầy cô đã lắng nghe để chèn vào Slide PowerPoint"/>
+          <p:cNvPicPr preferRelativeResize="0"/>
+          <p:nvPr/>
+        </p:nvPicPr>
+        <p:blipFill rotWithShape="1">
+          <a:blip r:embed="rId3">
+            <a:alphaModFix/>
+          </a:blip>
+          <a:srcRect/>
+          <a:stretch/>
+        </p:blipFill>
+        <p:spPr>
+          <a:xfrm>
+            <a:off x="830263" y="0"/>
+            <a:ext cx="10529887" cy="6858000"/>
+          </a:xfrm>
+          <a:prstGeom prst="rect">
+            <a:avLst/>
+          </a:prstGeom>
+          <a:noFill/>
+          <a:ln>
+            <a:noFill/>
+          </a:ln>
+        </p:spPr>
+      </p:pic>
+      <p:sp>
+        <p:nvSpPr>
+          <p:cNvPr id="210" name="Google Shape;210;p7">
+            <a:hlinkClick r:id="rId4" action="ppaction://hlinksldjump"/>
+          </p:cNvPr>
+          <p:cNvSpPr/>
+          <p:nvPr/>
+        </p:nvSpPr>
+        <p:spPr>
+          <a:xfrm>
+            <a:off x="4937483" y="6528818"/>
+            <a:ext cx="227457" cy="227457"/>
+          </a:xfrm>
+          <a:prstGeom prst="ellipse">
+            <a:avLst/>
+          </a:prstGeom>
+          <a:solidFill>
+            <a:schemeClr val="lt1"/>
+          </a:solidFill>
+          <a:ln w="38100" cap="flat" cmpd="sng">
+            <a:solidFill>
+              <a:srgbClr val="0166FF"/>
+            </a:solidFill>
+            <a:prstDash val="solid"/>
+            <a:miter lim="800000"/>
+            <a:headEnd type="none" w="sm" len="sm"/>
+            <a:tailEnd type="none" w="sm" len="sm"/>
+          </a:ln>
+        </p:spPr>
+        <p:txBody>
+          <a:bodyPr spcFirstLastPara="1" wrap="square" lIns="91425" tIns="45700" rIns="91425" bIns="45700" anchor="ctr" anchorCtr="0">
+            <a:noAutofit/>
+          </a:bodyPr>
+          <a:lstStyle/>
+          <a:p>
+            <a:pPr marL="0" marR="0" lvl="0" indent="0" algn="ctr" rtl="0">
+              <a:spcBef>
+                <a:spcPts val="0"/>
+              </a:spcBef>
+              <a:spcAft>
+                <a:spcPts val="0"/>
+              </a:spcAft>
+              <a:buNone/>
+            </a:pPr>
+            <a:r>
+              <a:rPr lang="vi-VN" sz="1100">
+                <a:solidFill>
+                  <a:srgbClr val="0166FF"/>
+                </a:solidFill>
+                <a:latin typeface="Roboto Black"/>
+                <a:ea typeface="Roboto Black"/>
+                <a:cs typeface="Roboto Black"/>
+                <a:sym typeface="Roboto Black"/>
+              </a:rPr>
+              <a:t>1</a:t>
+            </a:r>
+            <a:endParaRPr/>
+          </a:p>
+        </p:txBody>
+      </p:sp>
+      <p:sp>
+        <p:nvSpPr>
+          <p:cNvPr id="211" name="Google Shape;211;p7">
+            <a:hlinkClick r:id="rId5" action="ppaction://hlinksldjump"/>
+          </p:cNvPr>
+          <p:cNvSpPr/>
+          <p:nvPr/>
+        </p:nvSpPr>
+        <p:spPr>
+          <a:xfrm>
+            <a:off x="5330391" y="6528818"/>
+            <a:ext cx="227457" cy="227457"/>
+          </a:xfrm>
+          <a:prstGeom prst="ellipse">
+            <a:avLst/>
+          </a:prstGeom>
+          <a:solidFill>
+            <a:schemeClr val="lt1"/>
+          </a:solidFill>
+          <a:ln w="38100" cap="flat" cmpd="sng">
+            <a:solidFill>
+              <a:srgbClr val="0166FF"/>
+            </a:solidFill>
+            <a:prstDash val="solid"/>
+            <a:miter lim="800000"/>
+            <a:headEnd type="none" w="sm" len="sm"/>
+            <a:tailEnd type="none" w="sm" len="sm"/>
+          </a:ln>
+        </p:spPr>
+        <p:txBody>
+          <a:bodyPr spcFirstLastPara="1" wrap="square" lIns="91425" tIns="45700" rIns="91425" bIns="45700" anchor="ctr" anchorCtr="0">
+            <a:noAutofit/>
+          </a:bodyPr>
+          <a:lstStyle/>
+          <a:p>
+            <a:pPr marL="0" marR="0" lvl="0" indent="0" algn="ctr" rtl="0">
+              <a:spcBef>
+                <a:spcPts val="0"/>
+              </a:spcBef>
+              <a:spcAft>
+                <a:spcPts val="0"/>
+              </a:spcAft>
+              <a:buNone/>
+            </a:pPr>
+            <a:r>
+              <a:rPr lang="vi-VN" sz="1100">
+                <a:solidFill>
+                  <a:srgbClr val="0166FF"/>
+                </a:solidFill>
+                <a:latin typeface="Roboto Black"/>
+                <a:ea typeface="Roboto Black"/>
+                <a:cs typeface="Roboto Black"/>
+                <a:sym typeface="Roboto Black"/>
+              </a:rPr>
+              <a:t>2</a:t>
+            </a:r>
+            <a:endParaRPr/>
+          </a:p>
+        </p:txBody>
+      </p:sp>
+      <p:sp>
+        <p:nvSpPr>
+          <p:cNvPr id="212" name="Google Shape;212;p7">
+            <a:hlinkClick r:id="rId6" action="ppaction://hlinksldjump"/>
+          </p:cNvPr>
+          <p:cNvSpPr/>
+          <p:nvPr/>
+        </p:nvSpPr>
+        <p:spPr>
+          <a:xfrm>
+            <a:off x="5723299" y="6528818"/>
+            <a:ext cx="227457" cy="227457"/>
+          </a:xfrm>
+          <a:prstGeom prst="ellipse">
+            <a:avLst/>
+          </a:prstGeom>
+          <a:solidFill>
+            <a:schemeClr val="lt1"/>
+          </a:solidFill>
+          <a:ln w="38100" cap="flat" cmpd="sng">
+            <a:solidFill>
+              <a:srgbClr val="0166FF"/>
+            </a:solidFill>
+            <a:prstDash val="solid"/>
+            <a:miter lim="800000"/>
+            <a:headEnd type="none" w="sm" len="sm"/>
+            <a:tailEnd type="none" w="sm" len="sm"/>
+          </a:ln>
+        </p:spPr>
+        <p:txBody>
+          <a:bodyPr spcFirstLastPara="1" wrap="square" lIns="91425" tIns="45700" rIns="91425" bIns="45700" anchor="ctr" anchorCtr="0">
+            <a:noAutofit/>
+          </a:bodyPr>
+          <a:lstStyle/>
+          <a:p>
+            <a:pPr marL="0" marR="0" lvl="0" indent="0" algn="ctr" rtl="0">
+              <a:spcBef>
+                <a:spcPts val="0"/>
+              </a:spcBef>
+              <a:spcAft>
+                <a:spcPts val="0"/>
+              </a:spcAft>
+              <a:buNone/>
+            </a:pPr>
+            <a:r>
+              <a:rPr lang="vi-VN" sz="1100">
+                <a:solidFill>
+                  <a:srgbClr val="0166FF"/>
+                </a:solidFill>
+                <a:latin typeface="Roboto Black"/>
+                <a:ea typeface="Roboto Black"/>
+                <a:cs typeface="Roboto Black"/>
+                <a:sym typeface="Roboto Black"/>
+              </a:rPr>
+              <a:t>3</a:t>
+            </a:r>
+            <a:endParaRPr/>
+          </a:p>
+        </p:txBody>
+      </p:sp>
+      <p:sp>
+        <p:nvSpPr>
+          <p:cNvPr id="213" name="Google Shape;213;p7">
+            <a:hlinkClick r:id="rId5" action="ppaction://hlinksldjump"/>
+          </p:cNvPr>
+          <p:cNvSpPr/>
+          <p:nvPr/>
+        </p:nvSpPr>
+        <p:spPr>
+          <a:xfrm>
+            <a:off x="6116207" y="6528817"/>
+            <a:ext cx="227457" cy="227457"/>
+          </a:xfrm>
+          <a:prstGeom prst="ellipse">
+            <a:avLst/>
+          </a:prstGeom>
+          <a:solidFill>
+            <a:schemeClr val="lt1"/>
+          </a:solidFill>
+          <a:ln w="38100" cap="flat" cmpd="sng">
+            <a:solidFill>
+              <a:srgbClr val="0166FF"/>
+            </a:solidFill>
+            <a:prstDash val="solid"/>
+            <a:miter lim="800000"/>
+            <a:headEnd type="none" w="sm" len="sm"/>
+            <a:tailEnd type="none" w="sm" len="sm"/>
+          </a:ln>
+        </p:spPr>
+        <p:txBody>
+          <a:bodyPr spcFirstLastPara="1" wrap="square" lIns="91425" tIns="45700" rIns="91425" bIns="45700" anchor="ctr" anchorCtr="0">
+            <a:noAutofit/>
+          </a:bodyPr>
+          <a:lstStyle/>
+          <a:p>
+            <a:pPr marL="0" marR="0" lvl="0" indent="0" algn="ctr" rtl="0">
+              <a:spcBef>
+                <a:spcPts val="0"/>
+              </a:spcBef>
+              <a:spcAft>
+                <a:spcPts val="0"/>
+              </a:spcAft>
+              <a:buNone/>
+            </a:pPr>
+            <a:r>
+              <a:rPr lang="vi-VN" sz="1100">
+                <a:solidFill>
+                  <a:srgbClr val="0166FF"/>
+                </a:solidFill>
+                <a:latin typeface="Roboto Black"/>
+                <a:ea typeface="Roboto Black"/>
+                <a:cs typeface="Roboto Black"/>
+                <a:sym typeface="Roboto Black"/>
+              </a:rPr>
+              <a:t>4</a:t>
+            </a:r>
+            <a:endParaRPr/>
+          </a:p>
+        </p:txBody>
+      </p:sp>
+      <p:sp>
+        <p:nvSpPr>
+          <p:cNvPr id="214" name="Google Shape;214;p7">
+            <a:hlinkClick r:id="rId5" action="ppaction://hlinksldjump"/>
+          </p:cNvPr>
+          <p:cNvSpPr/>
+          <p:nvPr/>
+        </p:nvSpPr>
+        <p:spPr>
+          <a:xfrm>
+            <a:off x="6509115" y="6528817"/>
+            <a:ext cx="227457" cy="227457"/>
+          </a:xfrm>
+          <a:prstGeom prst="ellipse">
+            <a:avLst/>
+          </a:prstGeom>
+          <a:noFill/>
+          <a:ln w="38100" cap="flat" cmpd="sng">
+            <a:solidFill>
+              <a:srgbClr val="0166FF"/>
+            </a:solidFill>
+            <a:prstDash val="solid"/>
+            <a:miter lim="800000"/>
+            <a:headEnd type="none" w="sm" len="sm"/>
+            <a:tailEnd type="none" w="sm" len="sm"/>
+          </a:ln>
+        </p:spPr>
+        <p:txBody>
+          <a:bodyPr spcFirstLastPara="1" wrap="square" lIns="91425" tIns="45700" rIns="91425" bIns="45700" anchor="ctr" anchorCtr="0">
+            <a:noAutofit/>
+          </a:bodyPr>
+          <a:lstStyle/>
+          <a:p>
+            <a:pPr marL="0" marR="0" lvl="0" indent="0" algn="ctr" rtl="0">
+              <a:spcBef>
+                <a:spcPts val="0"/>
+              </a:spcBef>
+              <a:spcAft>
+                <a:spcPts val="0"/>
+              </a:spcAft>
+              <a:buNone/>
+            </a:pPr>
+            <a:r>
+              <a:rPr lang="vi-VN" sz="1100">
+                <a:solidFill>
+                  <a:srgbClr val="0166FF"/>
+                </a:solidFill>
+                <a:latin typeface="Roboto Black"/>
+                <a:ea typeface="Roboto Black"/>
+                <a:cs typeface="Roboto Black"/>
+                <a:sym typeface="Roboto Black"/>
+              </a:rPr>
+              <a:t>5</a:t>
+            </a:r>
+            <a:endParaRPr/>
+          </a:p>
+        </p:txBody>
+      </p:sp>
+      <p:sp>
+        <p:nvSpPr>
+          <p:cNvPr id="215" name="Google Shape;215;p7">
+            <a:hlinkClick r:id="rId7" action="ppaction://hlinksldjump"/>
+          </p:cNvPr>
+          <p:cNvSpPr/>
+          <p:nvPr/>
+        </p:nvSpPr>
+        <p:spPr>
+          <a:xfrm>
+            <a:off x="6900672" y="6528816"/>
+            <a:ext cx="227457" cy="227457"/>
+          </a:xfrm>
+          <a:prstGeom prst="ellipse">
+            <a:avLst/>
+          </a:prstGeom>
+          <a:solidFill>
+            <a:srgbClr val="83CBEB"/>
+          </a:solidFill>
+          <a:ln w="38100" cap="flat" cmpd="sng">
+            <a:solidFill>
+              <a:srgbClr val="0166FF"/>
+            </a:solidFill>
+            <a:prstDash val="solid"/>
+            <a:miter lim="800000"/>
+            <a:headEnd type="none" w="sm" len="sm"/>
+            <a:tailEnd type="none" w="sm" len="sm"/>
+          </a:ln>
+        </p:spPr>
+        <p:txBody>
+          <a:bodyPr spcFirstLastPara="1" wrap="square" lIns="91425" tIns="45700" rIns="91425" bIns="45700" anchor="ctr" anchorCtr="0">
+            <a:noAutofit/>
+          </a:bodyPr>
+          <a:lstStyle/>
+          <a:p>
+            <a:pPr marL="0" marR="0" lvl="0" indent="0" algn="ctr" rtl="0">
+              <a:spcBef>
+                <a:spcPts val="0"/>
+              </a:spcBef>
+              <a:spcAft>
+                <a:spcPts val="0"/>
+              </a:spcAft>
+              <a:buNone/>
+            </a:pPr>
+            <a:r>
+              <a:rPr lang="vi-VN" sz="1100">
+                <a:solidFill>
+                  <a:srgbClr val="0166FF"/>
+                </a:solidFill>
+                <a:latin typeface="Roboto Black"/>
+                <a:ea typeface="Roboto Black"/>
+                <a:cs typeface="Roboto Black"/>
+                <a:sym typeface="Roboto Black"/>
+              </a:rPr>
+              <a:t>6</a:t>
+            </a:r>
+            <a:endParaRPr/>
+          </a:p>
+        </p:txBody>
+      </p:sp>
+    </p:spTree>
+  </p:cSld>
+  <p:clrMapOvr>
+    <a:masterClrMapping/>
+  </p:clrMapOvr>
+</p:sld>
+</file>
+
 <file path=ppt/slides/slide2.xml><?xml version="1.0" encoding="utf-8"?>
 <p:sld xmlns:a="http://schemas.openxmlformats.org/drawingml/2006/main" xmlns:r="http://schemas.openxmlformats.org/officeDocument/2006/relationships" xmlns:p="http://schemas.openxmlformats.org/presentationml/2006/main">
   <p:cSld>
@@ -4256,10 +6566,46 @@
           <a:chExt cx="0" cy="0"/>
         </a:xfrm>
       </p:grpSpPr>
+      <p:pic>
+        <p:nvPicPr>
+          <p:cNvPr id="3" name="Hình ảnh 2" descr="Ảnh có chứa văn bản, ảnh chụp màn hình, phần mềm, Biểu tượng máy tính&#10;&#10;Mô tả được tạo tự động">
+            <a:extLst>
+              <a:ext uri="{FF2B5EF4-FFF2-40B4-BE49-F238E27FC236}">
+                <a16:creationId xmlns:a16="http://schemas.microsoft.com/office/drawing/2014/main" id="{2C022D6C-3E62-6727-0FED-BCAF2AE5748F}"/>
+              </a:ext>
+            </a:extLst>
+          </p:cNvPr>
+          <p:cNvPicPr>
+            <a:picLocks noChangeAspect="1"/>
+          </p:cNvPicPr>
+          <p:nvPr/>
+        </p:nvPicPr>
+        <p:blipFill>
+          <a:blip r:embed="rId3">
+            <a:extLst>
+              <a:ext uri="{28A0092B-C50C-407E-A947-70E740481C1C}">
+                <a14:useLocalDpi xmlns:a14="http://schemas.microsoft.com/office/drawing/2010/main" val="0"/>
+              </a:ext>
+            </a:extLst>
+          </a:blip>
+          <a:stretch>
+            <a:fillRect/>
+          </a:stretch>
+        </p:blipFill>
+        <p:spPr>
+          <a:xfrm>
+            <a:off x="1185208" y="5147"/>
+            <a:ext cx="9750552" cy="6094095"/>
+          </a:xfrm>
+          <a:prstGeom prst="rect">
+            <a:avLst/>
+          </a:prstGeom>
+        </p:spPr>
+      </p:pic>
       <p:sp>
         <p:nvSpPr>
           <p:cNvPr id="5" name="Hình Bầu dục 4">
-            <a:hlinkClick r:id="rId3" action="ppaction://hlinksldjump"/>
+            <a:hlinkClick r:id="rId4" action="ppaction://hlinksldjump"/>
             <a:extLst>
               <a:ext uri="{FF2B5EF4-FFF2-40B4-BE49-F238E27FC236}">
                 <a16:creationId xmlns:a16="http://schemas.microsoft.com/office/drawing/2014/main" id="{4A20E734-8E50-8E77-A2E9-C53FBF1CBEC9}"/>
@@ -4384,7 +6730,7 @@
       <p:sp>
         <p:nvSpPr>
           <p:cNvPr id="9" name="Hình Bầu dục 8">
-            <a:hlinkClick r:id="rId3" action="ppaction://hlinksldjump"/>
+            <a:hlinkClick r:id="rId4" action="ppaction://hlinksldjump"/>
             <a:extLst>
               <a:ext uri="{FF2B5EF4-FFF2-40B4-BE49-F238E27FC236}">
                 <a16:creationId xmlns:a16="http://schemas.microsoft.com/office/drawing/2014/main" id="{0B081CD2-20C4-7D8D-5627-7B5803339D3F}"/>
@@ -4448,7 +6794,7 @@
       <p:sp>
         <p:nvSpPr>
           <p:cNvPr id="10" name="Hình Bầu dục 9">
-            <a:hlinkClick r:id="rId4" action="ppaction://hlinksldjump"/>
+            <a:hlinkClick r:id="rId5" action="ppaction://hlinksldjump"/>
             <a:extLst>
               <a:ext uri="{FF2B5EF4-FFF2-40B4-BE49-F238E27FC236}">
                 <a16:creationId xmlns:a16="http://schemas.microsoft.com/office/drawing/2014/main" id="{F5348104-E25F-B662-B075-70248166A87E}"/>
@@ -4510,7 +6856,7 @@
       <p:sp>
         <p:nvSpPr>
           <p:cNvPr id="11" name="Hình Bầu dục 10">
-            <a:hlinkClick r:id="rId5" action="ppaction://hlinksldjump"/>
+            <a:hlinkClick r:id="rId6" action="ppaction://hlinksldjump"/>
             <a:extLst>
               <a:ext uri="{FF2B5EF4-FFF2-40B4-BE49-F238E27FC236}">
                 <a16:creationId xmlns:a16="http://schemas.microsoft.com/office/drawing/2014/main" id="{FA92E9E1-C1C0-E788-57F4-6E1A6F6959C1}"/>
@@ -4572,7 +6918,7 @@
       <p:sp>
         <p:nvSpPr>
           <p:cNvPr id="12" name="Hình Bầu dục 11">
-            <a:hlinkClick r:id="rId6" action="ppaction://hlinksldjump"/>
+            <a:hlinkClick r:id="rId7" action="ppaction://hlinksldjump"/>
             <a:extLst>
               <a:ext uri="{FF2B5EF4-FFF2-40B4-BE49-F238E27FC236}">
                 <a16:creationId xmlns:a16="http://schemas.microsoft.com/office/drawing/2014/main" id="{C58ABFF9-7503-47A6-DE0A-F11B9801704E}"/>
@@ -4684,42 +7030,6 @@
           </a:p>
         </p:txBody>
       </p:sp>
-      <p:pic>
-        <p:nvPicPr>
-          <p:cNvPr id="3" name="Hình ảnh 2" descr="Ảnh có chứa văn bản, ảnh chụp màn hình, phần mềm, Biểu tượng máy tính&#10;&#10;Mô tả được tạo tự động">
-            <a:extLst>
-              <a:ext uri="{FF2B5EF4-FFF2-40B4-BE49-F238E27FC236}">
-                <a16:creationId xmlns:a16="http://schemas.microsoft.com/office/drawing/2014/main" id="{2C022D6C-3E62-6727-0FED-BCAF2AE5748F}"/>
-              </a:ext>
-            </a:extLst>
-          </p:cNvPr>
-          <p:cNvPicPr>
-            <a:picLocks noChangeAspect="1"/>
-          </p:cNvPicPr>
-          <p:nvPr/>
-        </p:nvPicPr>
-        <p:blipFill>
-          <a:blip r:embed="rId7">
-            <a:extLst>
-              <a:ext uri="{28A0092B-C50C-407E-A947-70E740481C1C}">
-                <a14:useLocalDpi xmlns:a14="http://schemas.microsoft.com/office/drawing/2010/main" val="0"/>
-              </a:ext>
-            </a:extLst>
-          </a:blip>
-          <a:stretch>
-            <a:fillRect/>
-          </a:stretch>
-        </p:blipFill>
-        <p:spPr>
-          <a:xfrm>
-            <a:off x="1185208" y="5147"/>
-            <a:ext cx="9750552" cy="6094095"/>
-          </a:xfrm>
-          <a:prstGeom prst="rect">
-            <a:avLst/>
-          </a:prstGeom>
-        </p:spPr>
-      </p:pic>
       <p:sp>
         <p:nvSpPr>
           <p:cNvPr id="4" name="Hình Bầu dục 3">
@@ -4844,6 +7154,210 @@
           </a:p>
         </p:txBody>
       </p:sp>
+      <p:pic>
+        <p:nvPicPr>
+          <p:cNvPr id="2052" name="Picture 4" descr="Html5 Js Css3 Logo Png">
+            <a:extLst>
+              <a:ext uri="{FF2B5EF4-FFF2-40B4-BE49-F238E27FC236}">
+                <a16:creationId xmlns:a16="http://schemas.microsoft.com/office/drawing/2014/main" id="{9F6BD882-3EC5-42B3-3239-1C4C0D55B83C}"/>
+              </a:ext>
+            </a:extLst>
+          </p:cNvPr>
+          <p:cNvPicPr>
+            <a:picLocks noChangeAspect="1" noChangeArrowheads="1"/>
+          </p:cNvPicPr>
+          <p:nvPr/>
+        </p:nvPicPr>
+        <p:blipFill>
+          <a:blip r:embed="rId10">
+            <a:extLst>
+              <a:ext uri="{28A0092B-C50C-407E-A947-70E740481C1C}">
+                <a14:useLocalDpi xmlns:a14="http://schemas.microsoft.com/office/drawing/2010/main" val="0"/>
+              </a:ext>
+            </a:extLst>
+          </a:blip>
+          <a:srcRect/>
+          <a:stretch>
+            <a:fillRect/>
+          </a:stretch>
+        </p:blipFill>
+        <p:spPr bwMode="auto">
+          <a:xfrm>
+            <a:off x="9656064" y="310897"/>
+            <a:ext cx="1038059" cy="393192"/>
+          </a:xfrm>
+          <a:prstGeom prst="rect">
+            <a:avLst/>
+          </a:prstGeom>
+          <a:noFill/>
+          <a:extLst>
+            <a:ext uri="{909E8E84-426E-40DD-AFC4-6F175D3DCCD1}">
+              <a14:hiddenFill xmlns:a14="http://schemas.microsoft.com/office/drawing/2010/main">
+                <a:solidFill>
+                  <a:srgbClr val="FFFFFF"/>
+                </a:solidFill>
+              </a14:hiddenFill>
+            </a:ext>
+          </a:extLst>
+        </p:spPr>
+      </p:pic>
+      <p:pic>
+        <p:nvPicPr>
+          <p:cNvPr id="2054" name="Picture 6" descr="Heaven'sCode | #1 among all software companies in Negombo">
+            <a:extLst>
+              <a:ext uri="{FF2B5EF4-FFF2-40B4-BE49-F238E27FC236}">
+                <a16:creationId xmlns:a16="http://schemas.microsoft.com/office/drawing/2014/main" id="{698A1651-2EFA-576A-8FAE-662D039CA972}"/>
+              </a:ext>
+            </a:extLst>
+          </p:cNvPr>
+          <p:cNvPicPr>
+            <a:picLocks noChangeAspect="1" noChangeArrowheads="1"/>
+          </p:cNvPicPr>
+          <p:nvPr/>
+        </p:nvPicPr>
+        <p:blipFill>
+          <a:blip r:embed="rId11">
+            <a:extLst>
+              <a:ext uri="{28A0092B-C50C-407E-A947-70E740481C1C}">
+                <a14:useLocalDpi xmlns:a14="http://schemas.microsoft.com/office/drawing/2010/main" val="0"/>
+              </a:ext>
+            </a:extLst>
+          </a:blip>
+          <a:srcRect/>
+          <a:stretch>
+            <a:fillRect/>
+          </a:stretch>
+        </p:blipFill>
+        <p:spPr bwMode="auto">
+          <a:xfrm>
+            <a:off x="10771169" y="310898"/>
+            <a:ext cx="649688" cy="398502"/>
+          </a:xfrm>
+          <a:prstGeom prst="rect">
+            <a:avLst/>
+          </a:prstGeom>
+          <a:noFill/>
+          <a:extLst>
+            <a:ext uri="{909E8E84-426E-40DD-AFC4-6F175D3DCCD1}">
+              <a14:hiddenFill xmlns:a14="http://schemas.microsoft.com/office/drawing/2010/main">
+                <a:solidFill>
+                  <a:srgbClr val="FFFFFF"/>
+                </a:solidFill>
+              </a14:hiddenFill>
+            </a:ext>
+          </a:extLst>
+        </p:spPr>
+      </p:pic>
+      <p:pic>
+        <p:nvPicPr>
+          <p:cNvPr id="2056" name="Picture 8">
+            <a:extLst>
+              <a:ext uri="{FF2B5EF4-FFF2-40B4-BE49-F238E27FC236}">
+                <a16:creationId xmlns:a16="http://schemas.microsoft.com/office/drawing/2014/main" id="{35DABCCE-1838-245F-C59D-566B4D4BBEDE}"/>
+              </a:ext>
+            </a:extLst>
+          </p:cNvPr>
+          <p:cNvPicPr>
+            <a:picLocks noChangeAspect="1" noChangeArrowheads="1"/>
+          </p:cNvPicPr>
+          <p:nvPr/>
+        </p:nvPicPr>
+        <p:blipFill>
+          <a:blip r:embed="rId12">
+            <a:extLst>
+              <a:ext uri="{28A0092B-C50C-407E-A947-70E740481C1C}">
+                <a14:useLocalDpi xmlns:a14="http://schemas.microsoft.com/office/drawing/2010/main" val="0"/>
+              </a:ext>
+            </a:extLst>
+          </a:blip>
+          <a:srcRect/>
+          <a:stretch>
+            <a:fillRect/>
+          </a:stretch>
+        </p:blipFill>
+        <p:spPr bwMode="auto">
+          <a:xfrm>
+            <a:off x="11497903" y="346996"/>
+            <a:ext cx="641985" cy="320993"/>
+          </a:xfrm>
+          <a:prstGeom prst="rect">
+            <a:avLst/>
+          </a:prstGeom>
+          <a:noFill/>
+          <a:extLst>
+            <a:ext uri="{909E8E84-426E-40DD-AFC4-6F175D3DCCD1}">
+              <a14:hiddenFill xmlns:a14="http://schemas.microsoft.com/office/drawing/2010/main">
+                <a:solidFill>
+                  <a:srgbClr val="FFFFFF"/>
+                </a:solidFill>
+              </a14:hiddenFill>
+            </a:ext>
+          </a:extLst>
+        </p:spPr>
+      </p:pic>
+      <p:pic>
+        <p:nvPicPr>
+          <p:cNvPr id="14" name="Hình ảnh 13">
+            <a:extLst>
+              <a:ext uri="{FF2B5EF4-FFF2-40B4-BE49-F238E27FC236}">
+                <a16:creationId xmlns:a16="http://schemas.microsoft.com/office/drawing/2014/main" id="{A019B128-9074-1FA3-B1DA-D9D20726DB1F}"/>
+              </a:ext>
+            </a:extLst>
+          </p:cNvPr>
+          <p:cNvPicPr>
+            <a:picLocks noChangeAspect="1"/>
+          </p:cNvPicPr>
+          <p:nvPr/>
+        </p:nvPicPr>
+        <p:blipFill>
+          <a:blip r:embed="rId13"/>
+          <a:stretch>
+            <a:fillRect/>
+          </a:stretch>
+        </p:blipFill>
+        <p:spPr>
+          <a:xfrm>
+            <a:off x="9627922" y="1009839"/>
+            <a:ext cx="1790950" cy="695422"/>
+          </a:xfrm>
+          <a:prstGeom prst="rect">
+            <a:avLst/>
+          </a:prstGeom>
+        </p:spPr>
+      </p:pic>
+      <p:pic>
+        <p:nvPicPr>
+          <p:cNvPr id="7" name="Google Shape;117;p2" descr="Projet AMiSNO | Implémentation et test d’une partie de la pile Netflix OSS">
+            <a:extLst>
+              <a:ext uri="{FF2B5EF4-FFF2-40B4-BE49-F238E27FC236}">
+                <a16:creationId xmlns:a16="http://schemas.microsoft.com/office/drawing/2014/main" id="{23181513-838A-B854-C413-5A1F9BC80E02}"/>
+              </a:ext>
+            </a:extLst>
+          </p:cNvPr>
+          <p:cNvPicPr preferRelativeResize="0"/>
+          <p:nvPr/>
+        </p:nvPicPr>
+        <p:blipFill rotWithShape="1">
+          <a:blip r:embed="rId14">
+            <a:alphaModFix/>
+          </a:blip>
+          <a:srcRect/>
+          <a:stretch/>
+        </p:blipFill>
+        <p:spPr>
+          <a:xfrm>
+            <a:off x="9729216" y="1357550"/>
+            <a:ext cx="512064" cy="379365"/>
+          </a:xfrm>
+          <a:prstGeom prst="rect">
+            <a:avLst/>
+          </a:prstGeom>
+          <a:noFill/>
+          <a:ln>
+            <a:noFill/>
+          </a:ln>
+        </p:spPr>
+      </p:pic>
     </p:spTree>
     <p:extLst>
       <p:ext uri="{BB962C8B-B14F-4D97-AF65-F5344CB8AC3E}">
@@ -7705,12 +10219,48 @@
           <a:chExt cx="0" cy="0"/>
         </a:xfrm>
       </p:grpSpPr>
-      <p:sp>
-        <p:nvSpPr>
-          <p:cNvPr id="20" name="Hộp Văn bản 19">
-            <a:extLst>
-              <a:ext uri="{FF2B5EF4-FFF2-40B4-BE49-F238E27FC236}">
-                <a16:creationId xmlns:a16="http://schemas.microsoft.com/office/drawing/2014/main" id="{E8A4053F-5ED7-B483-597D-008B79672C30}"/>
+      <p:pic>
+        <p:nvPicPr>
+          <p:cNvPr id="2" name="Hình ảnh 1" descr="Ảnh có chứa văn bản, ảnh chụp màn hình, phần mềm, số&#10;&#10;Mô tả được tạo tự động">
+            <a:extLst>
+              <a:ext uri="{FF2B5EF4-FFF2-40B4-BE49-F238E27FC236}">
+                <a16:creationId xmlns:a16="http://schemas.microsoft.com/office/drawing/2014/main" id="{026E09E2-3BE5-C740-9AFA-0666A5182803}"/>
+              </a:ext>
+            </a:extLst>
+          </p:cNvPr>
+          <p:cNvPicPr>
+            <a:picLocks noChangeAspect="1"/>
+          </p:cNvPicPr>
+          <p:nvPr/>
+        </p:nvPicPr>
+        <p:blipFill>
+          <a:blip r:embed="rId2">
+            <a:extLst>
+              <a:ext uri="{28A0092B-C50C-407E-A947-70E740481C1C}">
+                <a14:useLocalDpi xmlns:a14="http://schemas.microsoft.com/office/drawing/2010/main" val="0"/>
+              </a:ext>
+            </a:extLst>
+          </a:blip>
+          <a:stretch>
+            <a:fillRect/>
+          </a:stretch>
+        </p:blipFill>
+        <p:spPr>
+          <a:xfrm>
+            <a:off x="1343145" y="260430"/>
+            <a:ext cx="9505710" cy="6337140"/>
+          </a:xfrm>
+          <a:prstGeom prst="rect">
+            <a:avLst/>
+          </a:prstGeom>
+        </p:spPr>
+      </p:pic>
+      <p:sp>
+        <p:nvSpPr>
+          <p:cNvPr id="3" name="Hộp Văn bản 2">
+            <a:extLst>
+              <a:ext uri="{FF2B5EF4-FFF2-40B4-BE49-F238E27FC236}">
+                <a16:creationId xmlns:a16="http://schemas.microsoft.com/office/drawing/2014/main" id="{49473F0D-0D8D-F696-7555-7001326434FB}"/>
               </a:ext>
             </a:extLst>
           </p:cNvPr>
@@ -7719,7 +10269,7 @@
         </p:nvSpPr>
         <p:spPr>
           <a:xfrm>
-            <a:off x="3980767" y="6099242"/>
+            <a:off x="4366847" y="6099242"/>
             <a:ext cx="1766830" cy="400110"/>
           </a:xfrm>
           <a:prstGeom prst="rect">
@@ -7770,10 +10320,10 @@
       </p:sp>
       <p:sp>
         <p:nvSpPr>
-          <p:cNvPr id="9" name="Hộp Văn bản 8">
-            <a:extLst>
-              <a:ext uri="{FF2B5EF4-FFF2-40B4-BE49-F238E27FC236}">
-                <a16:creationId xmlns:a16="http://schemas.microsoft.com/office/drawing/2014/main" id="{51C43539-C434-404B-F5AE-8A5AFF217F77}"/>
+          <p:cNvPr id="4" name="Hộp Văn bản 3">
+            <a:extLst>
+              <a:ext uri="{FF2B5EF4-FFF2-40B4-BE49-F238E27FC236}">
+                <a16:creationId xmlns:a16="http://schemas.microsoft.com/office/drawing/2014/main" id="{A6FA7FAE-5545-E8E3-9FAF-A2214CF0BC9F}"/>
               </a:ext>
             </a:extLst>
           </p:cNvPr>
@@ -7782,8 +10332,8 @@
         </p:nvSpPr>
         <p:spPr>
           <a:xfrm>
-            <a:off x="5640281" y="6124305"/>
-            <a:ext cx="2781073" cy="369332"/>
+            <a:off x="6026361" y="6124305"/>
+            <a:ext cx="2400723" cy="369332"/>
           </a:xfrm>
           <a:prstGeom prst="rect">
             <a:avLst/>
@@ -7796,6 +10346,16 @@
           </a:bodyPr>
           <a:lstStyle/>
           <a:p>
+            <a:r>
+              <a:rPr lang="vi-VN">
+                <a:solidFill>
+                  <a:srgbClr val="0166FF"/>
+                </a:solidFill>
+                <a:latin typeface="Roboto" panose="02000000000000000000" pitchFamily="2" charset="0"/>
+                <a:ea typeface="Roboto" panose="02000000000000000000" pitchFamily="2" charset="0"/>
+              </a:rPr>
+              <a:t>Student</a:t>
+            </a:r>
             <a:r>
               <a:rPr lang="vi-VN" sz="1800" b="0" i="0" u="none" strike="noStrike">
                 <a:solidFill>
@@ -7805,7 +10365,7 @@
                 <a:latin typeface="Roboto" panose="02000000000000000000" pitchFamily="2" charset="0"/>
                 <a:ea typeface="Roboto" panose="02000000000000000000" pitchFamily="2" charset="0"/>
               </a:rPr>
-              <a:t>AuthenticationService</a:t>
+              <a:t>Service</a:t>
             </a:r>
             <a:endParaRPr lang="vi-VN">
               <a:solidFill>
@@ -7817,43 +10377,13 @@
           </a:p>
         </p:txBody>
       </p:sp>
-      <p:pic>
-        <p:nvPicPr>
-          <p:cNvPr id="6" name="Hình ảnh 5">
-            <a:extLst>
-              <a:ext uri="{FF2B5EF4-FFF2-40B4-BE49-F238E27FC236}">
-                <a16:creationId xmlns:a16="http://schemas.microsoft.com/office/drawing/2014/main" id="{5238CD8A-9EE7-7661-4AD2-184DC4E8C459}"/>
-              </a:ext>
-            </a:extLst>
-          </p:cNvPr>
-          <p:cNvPicPr>
-            <a:picLocks noChangeAspect="1"/>
-          </p:cNvPicPr>
-          <p:nvPr/>
-        </p:nvPicPr>
-        <p:blipFill>
-          <a:blip r:embed="rId2"/>
-          <a:stretch>
-            <a:fillRect/>
-          </a:stretch>
-        </p:blipFill>
-        <p:spPr>
-          <a:xfrm>
-            <a:off x="4751339" y="2198935"/>
-            <a:ext cx="2689321" cy="1650265"/>
-          </a:xfrm>
-          <a:prstGeom prst="rect">
-            <a:avLst/>
-          </a:prstGeom>
-        </p:spPr>
-      </p:pic>
-      <p:sp>
-        <p:nvSpPr>
-          <p:cNvPr id="7" name="Hình Bầu dục 6">
+      <p:sp>
+        <p:nvSpPr>
+          <p:cNvPr id="5" name="Hình Bầu dục 4">
             <a:hlinkClick r:id="rId3" action="ppaction://hlinksldjump"/>
             <a:extLst>
               <a:ext uri="{FF2B5EF4-FFF2-40B4-BE49-F238E27FC236}">
-                <a16:creationId xmlns:a16="http://schemas.microsoft.com/office/drawing/2014/main" id="{6109F949-9648-8886-ECB1-C749054047D2}"/>
+                <a16:creationId xmlns:a16="http://schemas.microsoft.com/office/drawing/2014/main" id="{732FACA5-9F2E-8D6F-DDA6-2B2075452A81}"/>
               </a:ext>
             </a:extLst>
           </p:cNvPr>
@@ -7911,10 +10441,10 @@
       </p:sp>
       <p:sp>
         <p:nvSpPr>
-          <p:cNvPr id="8" name="Hình Bầu dục 7">
-            <a:extLst>
-              <a:ext uri="{FF2B5EF4-FFF2-40B4-BE49-F238E27FC236}">
-                <a16:creationId xmlns:a16="http://schemas.microsoft.com/office/drawing/2014/main" id="{23F8056A-8A8D-FD22-3BB7-53DAA975D51D}"/>
+          <p:cNvPr id="16" name="Hình Bầu dục 15">
+            <a:extLst>
+              <a:ext uri="{FF2B5EF4-FFF2-40B4-BE49-F238E27FC236}">
+                <a16:creationId xmlns:a16="http://schemas.microsoft.com/office/drawing/2014/main" id="{3A1011CC-8EDF-154D-1BDC-06A9FDFEE485}"/>
               </a:ext>
             </a:extLst>
           </p:cNvPr>
@@ -7972,11 +10502,11 @@
       </p:sp>
       <p:sp>
         <p:nvSpPr>
-          <p:cNvPr id="10" name="Hình Bầu dục 9">
+          <p:cNvPr id="17" name="Hình Bầu dục 16">
             <a:hlinkClick r:id="rId3" action="ppaction://hlinksldjump"/>
             <a:extLst>
               <a:ext uri="{FF2B5EF4-FFF2-40B4-BE49-F238E27FC236}">
-                <a16:creationId xmlns:a16="http://schemas.microsoft.com/office/drawing/2014/main" id="{A0D2F908-09C4-33D5-D382-25BD7106527E}"/>
+                <a16:creationId xmlns:a16="http://schemas.microsoft.com/office/drawing/2014/main" id="{7074D7E9-BB0E-31D1-22F1-749457F41D5C}"/>
               </a:ext>
             </a:extLst>
           </p:cNvPr>
@@ -8036,11 +10566,11 @@
       </p:sp>
       <p:sp>
         <p:nvSpPr>
-          <p:cNvPr id="11" name="Hình Bầu dục 10">
+          <p:cNvPr id="18" name="Hình Bầu dục 17">
             <a:hlinkClick r:id="rId4" action="ppaction://hlinksldjump"/>
             <a:extLst>
               <a:ext uri="{FF2B5EF4-FFF2-40B4-BE49-F238E27FC236}">
-                <a16:creationId xmlns:a16="http://schemas.microsoft.com/office/drawing/2014/main" id="{7D2D0E8B-A88E-8614-7627-28AE7D3225A2}"/>
+                <a16:creationId xmlns:a16="http://schemas.microsoft.com/office/drawing/2014/main" id="{31AF7EA9-94D4-1E46-C9A0-B899A311A3FD}"/>
               </a:ext>
             </a:extLst>
           </p:cNvPr>
@@ -8098,11 +10628,11 @@
       </p:sp>
       <p:sp>
         <p:nvSpPr>
-          <p:cNvPr id="12" name="Hình Bầu dục 11">
+          <p:cNvPr id="19" name="Hình Bầu dục 18">
             <a:hlinkClick r:id="rId5" action="ppaction://hlinksldjump"/>
             <a:extLst>
               <a:ext uri="{FF2B5EF4-FFF2-40B4-BE49-F238E27FC236}">
-                <a16:creationId xmlns:a16="http://schemas.microsoft.com/office/drawing/2014/main" id="{B30390FE-DE82-2F4C-F151-69F40F96FA92}"/>
+                <a16:creationId xmlns:a16="http://schemas.microsoft.com/office/drawing/2014/main" id="{188D7E7B-A602-7552-E8C1-5894E8C096CB}"/>
               </a:ext>
             </a:extLst>
           </p:cNvPr>
@@ -8117,7 +10647,9 @@
           <a:prstGeom prst="ellipse">
             <a:avLst/>
           </a:prstGeom>
-          <a:noFill/>
+          <a:solidFill>
+            <a:srgbClr val="7DCCDB"/>
+          </a:solidFill>
           <a:ln w="38100">
             <a:solidFill>
               <a:srgbClr val="0166FF"/>
@@ -8160,11 +10692,11 @@
       </p:sp>
       <p:sp>
         <p:nvSpPr>
-          <p:cNvPr id="13" name="Hình Bầu dục 12">
+          <p:cNvPr id="21" name="Hình Bầu dục 20">
             <a:hlinkClick r:id="rId6" action="ppaction://hlinksldjump"/>
             <a:extLst>
               <a:ext uri="{FF2B5EF4-FFF2-40B4-BE49-F238E27FC236}">
-                <a16:creationId xmlns:a16="http://schemas.microsoft.com/office/drawing/2014/main" id="{1313F38D-BD4A-9C4D-47B1-22F0E580CD3D}"/>
+                <a16:creationId xmlns:a16="http://schemas.microsoft.com/office/drawing/2014/main" id="{C01F85E4-10A4-06FA-7E15-C78F563FC32F}"/>
               </a:ext>
             </a:extLst>
           </p:cNvPr>
@@ -8179,9 +10711,7 @@
           <a:prstGeom prst="ellipse">
             <a:avLst/>
           </a:prstGeom>
-          <a:solidFill>
-            <a:srgbClr val="7DCCDB"/>
-          </a:solidFill>
+          <a:noFill/>
           <a:ln w="38100">
             <a:solidFill>
               <a:srgbClr val="0166FF"/>
@@ -8224,11 +10754,11 @@
       </p:sp>
       <p:sp>
         <p:nvSpPr>
-          <p:cNvPr id="14" name="Hình Bầu dục 13">
+          <p:cNvPr id="22" name="Hình Bầu dục 21">
             <a:hlinkClick r:id="rId7" action="ppaction://hlinksldjump"/>
             <a:extLst>
               <a:ext uri="{FF2B5EF4-FFF2-40B4-BE49-F238E27FC236}">
-                <a16:creationId xmlns:a16="http://schemas.microsoft.com/office/drawing/2014/main" id="{6F0A3A24-D852-BD8E-F622-65B8B2185C8A}"/>
+                <a16:creationId xmlns:a16="http://schemas.microsoft.com/office/drawing/2014/main" id="{1A902AFD-F877-731E-C8E6-EC0FC4C7D686}"/>
               </a:ext>
             </a:extLst>
           </p:cNvPr>
@@ -8286,11 +10816,11 @@
       </p:sp>
       <p:sp>
         <p:nvSpPr>
-          <p:cNvPr id="15" name="Hình Bầu dục 14">
+          <p:cNvPr id="23" name="Hình Bầu dục 22">
             <a:hlinkClick r:id="rId8" action="ppaction://hlinksldjump"/>
             <a:extLst>
               <a:ext uri="{FF2B5EF4-FFF2-40B4-BE49-F238E27FC236}">
-                <a16:creationId xmlns:a16="http://schemas.microsoft.com/office/drawing/2014/main" id="{13DC8D7C-6F53-17A4-B4B1-6C92ECB562A2}"/>
+                <a16:creationId xmlns:a16="http://schemas.microsoft.com/office/drawing/2014/main" id="{E5779C79-78E3-7F88-70B3-3E06AB0728DB}"/>
               </a:ext>
             </a:extLst>
           </p:cNvPr>
@@ -8378,10 +10908,10 @@
       </p:grpSpPr>
       <p:pic>
         <p:nvPicPr>
-          <p:cNvPr id="3" name="Hình ảnh 2">
-            <a:extLst>
-              <a:ext uri="{FF2B5EF4-FFF2-40B4-BE49-F238E27FC236}">
-                <a16:creationId xmlns:a16="http://schemas.microsoft.com/office/drawing/2014/main" id="{F0711BF2-FE12-716B-2B48-AEECB20EEEE2}"/>
+          <p:cNvPr id="5" name="Hình ảnh 4">
+            <a:extLst>
+              <a:ext uri="{FF2B5EF4-FFF2-40B4-BE49-F238E27FC236}">
+                <a16:creationId xmlns:a16="http://schemas.microsoft.com/office/drawing/2014/main" id="{D732FC8A-A1C6-A6C1-954C-505FC643EC72}"/>
               </a:ext>
             </a:extLst>
           </p:cNvPr>
@@ -8398,8 +10928,8 @@
         </p:blipFill>
         <p:spPr>
           <a:xfrm>
-            <a:off x="1564787" y="0"/>
-            <a:ext cx="8558537" cy="6858000"/>
+            <a:off x="4751339" y="2198935"/>
+            <a:ext cx="2689321" cy="1650265"/>
           </a:xfrm>
           <a:prstGeom prst="rect">
             <a:avLst/>
@@ -8408,10 +10938,10 @@
       </p:pic>
       <p:sp>
         <p:nvSpPr>
-          <p:cNvPr id="15" name="Hộp Văn bản 14">
-            <a:extLst>
-              <a:ext uri="{FF2B5EF4-FFF2-40B4-BE49-F238E27FC236}">
-                <a16:creationId xmlns:a16="http://schemas.microsoft.com/office/drawing/2014/main" id="{AE63B5C0-059D-6D45-4B5C-248D22D4B7BE}"/>
+          <p:cNvPr id="6" name="Hộp Văn bản 5">
+            <a:extLst>
+              <a:ext uri="{FF2B5EF4-FFF2-40B4-BE49-F238E27FC236}">
+                <a16:creationId xmlns:a16="http://schemas.microsoft.com/office/drawing/2014/main" id="{6AA4E48F-27F5-0079-1DDC-F98170AB2936}"/>
               </a:ext>
             </a:extLst>
           </p:cNvPr>
@@ -8420,8 +10950,8 @@
         </p:nvSpPr>
         <p:spPr>
           <a:xfrm>
-            <a:off x="520271" y="6099242"/>
-            <a:ext cx="2089033" cy="400110"/>
+            <a:off x="3980767" y="6099242"/>
+            <a:ext cx="1766830" cy="400110"/>
           </a:xfrm>
           <a:prstGeom prst="rect">
             <a:avLst/>
@@ -8442,7 +10972,7 @@
                 <a:latin typeface="Roboto Black" panose="02000000000000000000" pitchFamily="2" charset="0"/>
                 <a:ea typeface="Roboto Black" panose="02000000000000000000" pitchFamily="2" charset="0"/>
               </a:rPr>
-              <a:t>P</a:t>
+              <a:t>C</a:t>
             </a:r>
             <a:r>
               <a:rPr lang="vi-VN" sz="1800" kern="1200">
@@ -8454,7 +10984,7 @@
                 <a:ea typeface="Roboto Black" panose="02000000000000000000" pitchFamily="2" charset="0"/>
                 <a:cs typeface="+mn-cs"/>
               </a:rPr>
-              <a:t>ackage </a:t>
+              <a:t>lass </a:t>
             </a:r>
             <a:r>
               <a:rPr lang="vi-VN" sz="2000">
@@ -8471,11 +11001,60 @@
       </p:sp>
       <p:sp>
         <p:nvSpPr>
-          <p:cNvPr id="20" name="Hình Bầu dục 19">
+          <p:cNvPr id="7" name="Hộp Văn bản 6">
+            <a:extLst>
+              <a:ext uri="{FF2B5EF4-FFF2-40B4-BE49-F238E27FC236}">
+                <a16:creationId xmlns:a16="http://schemas.microsoft.com/office/drawing/2014/main" id="{FABB2E56-957A-8697-732F-18C039973F71}"/>
+              </a:ext>
+            </a:extLst>
+          </p:cNvPr>
+          <p:cNvSpPr txBox="1"/>
+          <p:nvPr/>
+        </p:nvSpPr>
+        <p:spPr>
+          <a:xfrm>
+            <a:off x="5640281" y="6124305"/>
+            <a:ext cx="2781073" cy="369332"/>
+          </a:xfrm>
+          <a:prstGeom prst="rect">
+            <a:avLst/>
+          </a:prstGeom>
+          <a:noFill/>
+        </p:spPr>
+        <p:txBody>
+          <a:bodyPr wrap="square">
+            <a:spAutoFit/>
+          </a:bodyPr>
+          <a:lstStyle/>
+          <a:p>
+            <a:r>
+              <a:rPr lang="vi-VN" sz="1800" b="0" i="0" u="none" strike="noStrike">
+                <a:solidFill>
+                  <a:srgbClr val="0166FF"/>
+                </a:solidFill>
+                <a:effectLst/>
+                <a:latin typeface="Roboto" panose="02000000000000000000" pitchFamily="2" charset="0"/>
+                <a:ea typeface="Roboto" panose="02000000000000000000" pitchFamily="2" charset="0"/>
+              </a:rPr>
+              <a:t>AuthenticationService</a:t>
+            </a:r>
+            <a:endParaRPr lang="vi-VN">
+              <a:solidFill>
+                <a:srgbClr val="0166FF"/>
+              </a:solidFill>
+              <a:latin typeface="Roboto" panose="02000000000000000000" pitchFamily="2" charset="0"/>
+              <a:ea typeface="Roboto" panose="02000000000000000000" pitchFamily="2" charset="0"/>
+            </a:endParaRPr>
+          </a:p>
+        </p:txBody>
+      </p:sp>
+      <p:sp>
+        <p:nvSpPr>
+          <p:cNvPr id="8" name="Hình Bầu dục 7">
             <a:hlinkClick r:id="rId4" action="ppaction://hlinksldjump"/>
             <a:extLst>
               <a:ext uri="{FF2B5EF4-FFF2-40B4-BE49-F238E27FC236}">
-                <a16:creationId xmlns:a16="http://schemas.microsoft.com/office/drawing/2014/main" id="{3A7406EF-4BC8-4C7A-54A3-8FCD37453C86}"/>
+                <a16:creationId xmlns:a16="http://schemas.microsoft.com/office/drawing/2014/main" id="{EBD1FB15-6C11-7EA9-0AD4-9B49A7D34132}"/>
               </a:ext>
             </a:extLst>
           </p:cNvPr>
@@ -8484,7 +11063,7 @@
         </p:nvSpPr>
         <p:spPr>
           <a:xfrm>
-            <a:off x="114023" y="6499352"/>
+            <a:off x="4548863" y="6528818"/>
             <a:ext cx="227457" cy="227457"/>
           </a:xfrm>
           <a:prstGeom prst="ellipse">
@@ -8533,10 +11112,10 @@
       </p:sp>
       <p:sp>
         <p:nvSpPr>
-          <p:cNvPr id="21" name="Hình Bầu dục 20">
-            <a:extLst>
-              <a:ext uri="{FF2B5EF4-FFF2-40B4-BE49-F238E27FC236}">
-                <a16:creationId xmlns:a16="http://schemas.microsoft.com/office/drawing/2014/main" id="{34C166E9-E90D-7852-155A-916AD408FC00}"/>
+          <p:cNvPr id="9" name="Hình Bầu dục 8">
+            <a:extLst>
+              <a:ext uri="{FF2B5EF4-FFF2-40B4-BE49-F238E27FC236}">
+                <a16:creationId xmlns:a16="http://schemas.microsoft.com/office/drawing/2014/main" id="{D2723C49-28BA-4952-0F4A-E7375C971B17}"/>
               </a:ext>
             </a:extLst>
           </p:cNvPr>
@@ -8545,7 +11124,7 @@
         </p:nvSpPr>
         <p:spPr>
           <a:xfrm>
-            <a:off x="506931" y="6499352"/>
+            <a:off x="4941771" y="6528818"/>
             <a:ext cx="227457" cy="227457"/>
           </a:xfrm>
           <a:prstGeom prst="ellipse">
@@ -8594,11 +11173,11 @@
       </p:sp>
       <p:sp>
         <p:nvSpPr>
-          <p:cNvPr id="22" name="Hình Bầu dục 21">
+          <p:cNvPr id="10" name="Hình Bầu dục 9">
             <a:hlinkClick r:id="rId4" action="ppaction://hlinksldjump"/>
             <a:extLst>
               <a:ext uri="{FF2B5EF4-FFF2-40B4-BE49-F238E27FC236}">
-                <a16:creationId xmlns:a16="http://schemas.microsoft.com/office/drawing/2014/main" id="{F19E7AA2-B5CD-E6CE-5151-310E4E555259}"/>
+                <a16:creationId xmlns:a16="http://schemas.microsoft.com/office/drawing/2014/main" id="{5C19B82C-6673-6F92-1F45-2CEA83D99D59}"/>
               </a:ext>
             </a:extLst>
           </p:cNvPr>
@@ -8607,7 +11186,7 @@
         </p:nvSpPr>
         <p:spPr>
           <a:xfrm>
-            <a:off x="899839" y="6499352"/>
+            <a:off x="5334679" y="6528818"/>
             <a:ext cx="227457" cy="227457"/>
           </a:xfrm>
           <a:prstGeom prst="ellipse">
@@ -8658,11 +11237,11 @@
       </p:sp>
       <p:sp>
         <p:nvSpPr>
-          <p:cNvPr id="23" name="Hình Bầu dục 22">
+          <p:cNvPr id="11" name="Hình Bầu dục 10">
             <a:hlinkClick r:id="rId5" action="ppaction://hlinksldjump"/>
             <a:extLst>
               <a:ext uri="{FF2B5EF4-FFF2-40B4-BE49-F238E27FC236}">
-                <a16:creationId xmlns:a16="http://schemas.microsoft.com/office/drawing/2014/main" id="{10987AE6-ECE6-420F-36C4-1BA427F80A5F}"/>
+                <a16:creationId xmlns:a16="http://schemas.microsoft.com/office/drawing/2014/main" id="{D9543E5A-41F1-4C9B-DC4F-A0C5DA6B1D1D}"/>
               </a:ext>
             </a:extLst>
           </p:cNvPr>
@@ -8671,7 +11250,7 @@
         </p:nvSpPr>
         <p:spPr>
           <a:xfrm>
-            <a:off x="1292747" y="6499351"/>
+            <a:off x="5727587" y="6528817"/>
             <a:ext cx="227457" cy="227457"/>
           </a:xfrm>
           <a:prstGeom prst="ellipse">
@@ -8720,11 +11299,11 @@
       </p:sp>
       <p:sp>
         <p:nvSpPr>
-          <p:cNvPr id="24" name="Hình Bầu dục 23">
+          <p:cNvPr id="12" name="Hình Bầu dục 11">
             <a:hlinkClick r:id="rId6" action="ppaction://hlinksldjump"/>
             <a:extLst>
               <a:ext uri="{FF2B5EF4-FFF2-40B4-BE49-F238E27FC236}">
-                <a16:creationId xmlns:a16="http://schemas.microsoft.com/office/drawing/2014/main" id="{6033A3B9-6578-2F45-F5A8-0D446FF10974}"/>
+                <a16:creationId xmlns:a16="http://schemas.microsoft.com/office/drawing/2014/main" id="{1F00BF80-C2A3-4BB6-5CCA-16CA6703EA93}"/>
               </a:ext>
             </a:extLst>
           </p:cNvPr>
@@ -8733,7 +11312,7 @@
         </p:nvSpPr>
         <p:spPr>
           <a:xfrm>
-            <a:off x="1685655" y="6499351"/>
+            <a:off x="6120495" y="6528817"/>
             <a:ext cx="227457" cy="227457"/>
           </a:xfrm>
           <a:prstGeom prst="ellipse">
@@ -8782,11 +11361,11 @@
       </p:sp>
       <p:sp>
         <p:nvSpPr>
-          <p:cNvPr id="25" name="Hình Bầu dục 24">
+          <p:cNvPr id="13" name="Hình Bầu dục 12">
             <a:hlinkClick r:id="rId7" action="ppaction://hlinksldjump"/>
             <a:extLst>
               <a:ext uri="{FF2B5EF4-FFF2-40B4-BE49-F238E27FC236}">
-                <a16:creationId xmlns:a16="http://schemas.microsoft.com/office/drawing/2014/main" id="{F0FF42D9-C093-FE4E-2F63-C3D71B11156F}"/>
+                <a16:creationId xmlns:a16="http://schemas.microsoft.com/office/drawing/2014/main" id="{8CDB7E98-473F-F212-DA92-EA415E3238F4}"/>
               </a:ext>
             </a:extLst>
           </p:cNvPr>
@@ -8795,13 +11374,15 @@
         </p:nvSpPr>
         <p:spPr>
           <a:xfrm>
-            <a:off x="2077212" y="6499350"/>
+            <a:off x="6512052" y="6528816"/>
             <a:ext cx="227457" cy="227457"/>
           </a:xfrm>
           <a:prstGeom prst="ellipse">
             <a:avLst/>
           </a:prstGeom>
-          <a:noFill/>
+          <a:solidFill>
+            <a:srgbClr val="7DCCDB"/>
+          </a:solidFill>
           <a:ln w="38100">
             <a:solidFill>
               <a:srgbClr val="0166FF"/>
@@ -8844,11 +11425,11 @@
       </p:sp>
       <p:sp>
         <p:nvSpPr>
-          <p:cNvPr id="26" name="Hình Bầu dục 25">
+          <p:cNvPr id="14" name="Hình Bầu dục 13">
             <a:hlinkClick r:id="rId8" action="ppaction://hlinksldjump"/>
             <a:extLst>
               <a:ext uri="{FF2B5EF4-FFF2-40B4-BE49-F238E27FC236}">
-                <a16:creationId xmlns:a16="http://schemas.microsoft.com/office/drawing/2014/main" id="{F6E31B6B-8CD0-C193-CBDC-6244965E36A1}"/>
+                <a16:creationId xmlns:a16="http://schemas.microsoft.com/office/drawing/2014/main" id="{206A9F86-4A2E-2919-5820-BBE3B7CA471A}"/>
               </a:ext>
             </a:extLst>
           </p:cNvPr>
@@ -8857,15 +11438,13 @@
         </p:nvSpPr>
         <p:spPr>
           <a:xfrm>
-            <a:off x="2468769" y="6499350"/>
+            <a:off x="6903609" y="6528816"/>
             <a:ext cx="227457" cy="227457"/>
           </a:xfrm>
           <a:prstGeom prst="ellipse">
             <a:avLst/>
           </a:prstGeom>
-          <a:solidFill>
-            <a:srgbClr val="7DCCDB"/>
-          </a:solidFill>
+          <a:noFill/>
           <a:ln w="38100">
             <a:solidFill>
               <a:srgbClr val="0166FF"/>
@@ -8908,11 +11487,11 @@
       </p:sp>
       <p:sp>
         <p:nvSpPr>
-          <p:cNvPr id="27" name="Hình Bầu dục 26">
+          <p:cNvPr id="16" name="Hình Bầu dục 15">
             <a:hlinkClick r:id="rId9" action="ppaction://hlinksldjump"/>
             <a:extLst>
               <a:ext uri="{FF2B5EF4-FFF2-40B4-BE49-F238E27FC236}">
-                <a16:creationId xmlns:a16="http://schemas.microsoft.com/office/drawing/2014/main" id="{535CC6E3-8D67-7C06-5407-C29D172B1C76}"/>
+                <a16:creationId xmlns:a16="http://schemas.microsoft.com/office/drawing/2014/main" id="{48100322-A09D-825C-5E48-40F2403212C1}"/>
               </a:ext>
             </a:extLst>
           </p:cNvPr>
@@ -8921,7 +11500,7 @@
         </p:nvSpPr>
         <p:spPr>
           <a:xfrm>
-            <a:off x="2860326" y="6499350"/>
+            <a:off x="7295166" y="6528816"/>
             <a:ext cx="227457" cy="227457"/>
           </a:xfrm>
           <a:prstGeom prst="ellipse">
@@ -9588,6 +12167,100 @@
           </a:p>
         </p:txBody>
       </p:sp>
+      <p:pic>
+        <p:nvPicPr>
+          <p:cNvPr id="1026" name="Picture 2" descr="Docker – Logos Download">
+            <a:extLst>
+              <a:ext uri="{FF2B5EF4-FFF2-40B4-BE49-F238E27FC236}">
+                <a16:creationId xmlns:a16="http://schemas.microsoft.com/office/drawing/2014/main" id="{6ED6DF14-8170-2C77-F1F4-9FAFC0E56BEF}"/>
+              </a:ext>
+            </a:extLst>
+          </p:cNvPr>
+          <p:cNvPicPr>
+            <a:picLocks noChangeAspect="1" noChangeArrowheads="1"/>
+          </p:cNvPicPr>
+          <p:nvPr/>
+        </p:nvPicPr>
+        <p:blipFill>
+          <a:blip r:embed="rId9">
+            <a:extLst>
+              <a:ext uri="{28A0092B-C50C-407E-A947-70E740481C1C}">
+                <a14:useLocalDpi xmlns:a14="http://schemas.microsoft.com/office/drawing/2010/main" val="0"/>
+              </a:ext>
+            </a:extLst>
+          </a:blip>
+          <a:srcRect/>
+          <a:stretch>
+            <a:fillRect/>
+          </a:stretch>
+        </p:blipFill>
+        <p:spPr bwMode="auto">
+          <a:xfrm>
+            <a:off x="9121028" y="6150652"/>
+            <a:ext cx="686451" cy="576155"/>
+          </a:xfrm>
+          <a:prstGeom prst="rect">
+            <a:avLst/>
+          </a:prstGeom>
+          <a:noFill/>
+          <a:extLst>
+            <a:ext uri="{909E8E84-426E-40DD-AFC4-6F175D3DCCD1}">
+              <a14:hiddenFill xmlns:a14="http://schemas.microsoft.com/office/drawing/2010/main">
+                <a:solidFill>
+                  <a:srgbClr val="FFFFFF"/>
+                </a:solidFill>
+              </a14:hiddenFill>
+            </a:ext>
+          </a:extLst>
+        </p:spPr>
+      </p:pic>
+      <p:pic>
+        <p:nvPicPr>
+          <p:cNvPr id="1028" name="Picture 4" descr="Docker compose - how to orchestrate different containers - Flowygo">
+            <a:extLst>
+              <a:ext uri="{FF2B5EF4-FFF2-40B4-BE49-F238E27FC236}">
+                <a16:creationId xmlns:a16="http://schemas.microsoft.com/office/drawing/2014/main" id="{088BC1E4-F656-AFA1-8855-E4BA118BD289}"/>
+              </a:ext>
+            </a:extLst>
+          </p:cNvPr>
+          <p:cNvPicPr>
+            <a:picLocks noChangeAspect="1" noChangeArrowheads="1"/>
+          </p:cNvPicPr>
+          <p:nvPr/>
+        </p:nvPicPr>
+        <p:blipFill>
+          <a:blip r:embed="rId10">
+            <a:extLst>
+              <a:ext uri="{28A0092B-C50C-407E-A947-70E740481C1C}">
+                <a14:useLocalDpi xmlns:a14="http://schemas.microsoft.com/office/drawing/2010/main" val="0"/>
+              </a:ext>
+            </a:extLst>
+          </a:blip>
+          <a:srcRect/>
+          <a:stretch>
+            <a:fillRect/>
+          </a:stretch>
+        </p:blipFill>
+        <p:spPr bwMode="auto">
+          <a:xfrm>
+            <a:off x="10062195" y="6012125"/>
+            <a:ext cx="1760997" cy="845875"/>
+          </a:xfrm>
+          <a:prstGeom prst="rect">
+            <a:avLst/>
+          </a:prstGeom>
+          <a:noFill/>
+          <a:extLst>
+            <a:ext uri="{909E8E84-426E-40DD-AFC4-6F175D3DCCD1}">
+              <a14:hiddenFill xmlns:a14="http://schemas.microsoft.com/office/drawing/2010/main">
+                <a:solidFill>
+                  <a:srgbClr val="FFFFFF"/>
+                </a:solidFill>
+              </a14:hiddenFill>
+            </a:ext>
+          </a:extLst>
+        </p:spPr>
+      </p:pic>
     </p:spTree>
     <p:extLst>
       <p:ext uri="{BB962C8B-B14F-4D97-AF65-F5344CB8AC3E}">
